--- a/thesis/state_of_the_art_presentation/2018.01.17_SotA_presCZ.pptx
+++ b/thesis/state_of_the_art_presentation/2018.01.17_SotA_presCZ.pptx
@@ -13,31 +13,33 @@
     <p:sldId id="261" r:id="rId7"/>
     <p:sldId id="262" r:id="rId8"/>
     <p:sldId id="263" r:id="rId9"/>
-    <p:sldId id="264" r:id="rId10"/>
-    <p:sldId id="265" r:id="rId11"/>
-    <p:sldId id="268" r:id="rId12"/>
-    <p:sldId id="269" r:id="rId13"/>
-    <p:sldId id="271" r:id="rId14"/>
-    <p:sldId id="272" r:id="rId15"/>
-    <p:sldId id="273" r:id="rId16"/>
-    <p:sldId id="274" r:id="rId17"/>
-    <p:sldId id="275" r:id="rId18"/>
-    <p:sldId id="276" r:id="rId19"/>
-    <p:sldId id="277" r:id="rId20"/>
+    <p:sldId id="279" r:id="rId10"/>
+    <p:sldId id="278" r:id="rId11"/>
+    <p:sldId id="264" r:id="rId12"/>
+    <p:sldId id="265" r:id="rId13"/>
+    <p:sldId id="268" r:id="rId14"/>
+    <p:sldId id="269" r:id="rId15"/>
+    <p:sldId id="271" r:id="rId16"/>
+    <p:sldId id="272" r:id="rId17"/>
+    <p:sldId id="273" r:id="rId18"/>
+    <p:sldId id="274" r:id="rId19"/>
+    <p:sldId id="275" r:id="rId20"/>
+    <p:sldId id="276" r:id="rId21"/>
+    <p:sldId id="277" r:id="rId22"/>
   </p:sldIdLst>
   <p:sldSz cx="9144000" cy="6858000" type="screen4x3"/>
   <p:notesSz cx="6858000" cy="9144000"/>
   <p:embeddedFontLst>
     <p:embeddedFont>
       <p:font typeface="Technika-Bold" panose="00000600000000000000" charset="-18"/>
-      <p:regular r:id="rId21"/>
+      <p:regular r:id="rId23"/>
     </p:embeddedFont>
     <p:embeddedFont>
       <p:font typeface="Technika" panose="020B0604020202020204" charset="-18"/>
-      <p:regular r:id="rId22"/>
-      <p:bold r:id="rId23"/>
-      <p:italic r:id="rId24"/>
-      <p:boldItalic r:id="rId25"/>
+      <p:regular r:id="rId24"/>
+      <p:bold r:id="rId25"/>
+      <p:italic r:id="rId26"/>
+      <p:boldItalic r:id="rId27"/>
     </p:embeddedFont>
   </p:embeddedFontLst>
   <p:defaultTextStyle>
@@ -141,6 +143,10 @@
     </p:ext>
   </p:extLst>
 </p:presentation>
+</file>
+
+<file path=ppt/revisionInfo.xml><?xml version="1.0" encoding="utf-8"?>
+<p1510:revInfo xmlns:a="http://schemas.openxmlformats.org/drawingml/2006/main" xmlns:r="http://schemas.openxmlformats.org/officeDocument/2006/relationships" xmlns:p1510="http://schemas.microsoft.com/office/powerpoint/2015/10/main"/>
 </file>
 
 <file path=ppt/slideLayouts/slideLayout1.xml><?xml version="1.0" encoding="utf-8"?>
@@ -1481,22 +1487,27 @@
             <p:ph type="title"/>
           </p:nvPr>
         </p:nvSpPr>
-        <p:spPr/>
+        <p:spPr>
+          <a:xfrm>
+            <a:off x="1080000" y="1800000"/>
+            <a:ext cx="7794000" cy="742568"/>
+          </a:xfrm>
+        </p:spPr>
         <p:txBody>
           <a:bodyPr/>
           <a:lstStyle/>
           <a:p>
             <a:r>
-              <a:rPr lang="cs-CZ" dirty="0"/>
-              <a:t>Příklady modelů </a:t>
+              <a:rPr lang="en-US" dirty="0" err="1"/>
+              <a:t>Kyber-fyzik</a:t>
             </a:r>
             <a:r>
               <a:rPr lang="cs-CZ" dirty="0" err="1"/>
-              <a:t>Kyber</a:t>
-            </a:r>
-            <a:r>
-              <a:rPr lang="cs-CZ" dirty="0"/>
-              <a:t>-fyzikálních systémů</a:t>
+              <a:t>ální</a:t>
+            </a:r>
+            <a:r>
+              <a:rPr lang="cs-CZ" dirty="0"/>
+              <a:t> systémy</a:t>
             </a:r>
           </a:p>
         </p:txBody>
@@ -1519,24 +1530,64 @@
         </p:nvSpPr>
         <p:spPr>
           <a:xfrm>
-            <a:off x="1079999" y="3059766"/>
+            <a:off x="1080000" y="2542568"/>
             <a:ext cx="7794000" cy="3528000"/>
           </a:xfrm>
         </p:spPr>
         <p:txBody>
-          <a:bodyPr/>
-          <a:lstStyle/>
-          <a:p>
+          <a:bodyPr>
+            <a:normAutofit/>
+          </a:bodyPr>
+          <a:lstStyle/>
+          <a:p>
+            <a:r>
+              <a:rPr lang="en-US" dirty="0"/>
+              <a:t>P</a:t>
+            </a:r>
+            <a:r>
+              <a:rPr lang="cs-CZ" dirty="0" err="1"/>
+              <a:t>říklady</a:t>
+            </a:r>
             <a:endParaRPr lang="cs-CZ" dirty="0"/>
+          </a:p>
+          <a:p>
+            <a:pPr marL="457200" indent="-457200">
+              <a:buFont typeface="+mj-lt"/>
+              <a:buAutoNum type="arabicPeriod"/>
+            </a:pPr>
+            <a:r>
+              <a:rPr lang="cs-CZ" dirty="0"/>
+              <a:t>Elektrické sítě s pokročilým monitoringem</a:t>
+            </a:r>
+          </a:p>
+          <a:p>
+            <a:pPr marL="457200" indent="-457200">
+              <a:buFont typeface="+mj-lt"/>
+              <a:buAutoNum type="arabicPeriod"/>
+            </a:pPr>
+            <a:r>
+              <a:rPr lang="cs-CZ" dirty="0"/>
+              <a:t>Propojená autonomní vozidla</a:t>
+            </a:r>
+          </a:p>
+          <a:p>
+            <a:pPr marL="457200" indent="-457200">
+              <a:buFont typeface="+mj-lt"/>
+              <a:buAutoNum type="arabicPeriod"/>
+            </a:pPr>
+            <a:r>
+              <a:rPr lang="cs-CZ" dirty="0"/>
+              <a:t>Protézy, jako například nervově ovládaná umělá dolní končetina</a:t>
+            </a:r>
           </a:p>
         </p:txBody>
       </p:sp>
       <p:pic>
         <p:nvPicPr>
-          <p:cNvPr id="4" name="Grafický objekt 3" descr="Síť">
-            <a:extLst>
-              <a:ext uri="{FF2B5EF4-FFF2-40B4-BE49-F238E27FC236}">
-                <a16:creationId xmlns:a16="http://schemas.microsoft.com/office/drawing/2014/main" id="{A2C25B1F-BFDD-402A-9F5B-95FAF7C81B95}"/>
+          <p:cNvPr id="5" name="Grafický objekt 4" descr="Přehrávač DVD">
+            <a:extLst>
+              <a:ext uri="{FF2B5EF4-FFF2-40B4-BE49-F238E27FC236}">
+                <a16:creationId xmlns:a16="http://schemas.microsoft.com/office/drawing/2014/main" id="{1C05C4EF-711C-4C62-92EC-A28B5A39F975}"/>
               </a:ext>
             </a:extLst>
           </p:cNvPr>
@@ -1562,8 +1613,44 @@
         </p:blipFill>
         <p:spPr>
           <a:xfrm>
-            <a:off x="165599" y="1429567"/>
+            <a:off x="165599" y="1628168"/>
             <a:ext cx="914400" cy="914400"/>
+          </a:xfrm>
+          <a:prstGeom prst="rect">
+            <a:avLst/>
+          </a:prstGeom>
+        </p:spPr>
+      </p:pic>
+      <p:pic>
+        <p:nvPicPr>
+          <p:cNvPr id="6" name="Obrázek 5">
+            <a:extLst>
+              <a:ext uri="{FF2B5EF4-FFF2-40B4-BE49-F238E27FC236}">
+                <a16:creationId xmlns:a16="http://schemas.microsoft.com/office/drawing/2014/main" id="{440A1799-6A13-4A43-97E7-085A44D11EC7}"/>
+              </a:ext>
+            </a:extLst>
+          </p:cNvPr>
+          <p:cNvPicPr>
+            <a:picLocks noChangeAspect="1"/>
+          </p:cNvPicPr>
+          <p:nvPr/>
+        </p:nvPicPr>
+        <p:blipFill>
+          <a:blip r:embed="rId4">
+            <a:extLst>
+              <a:ext uri="{28A0092B-C50C-407E-A947-70E740481C1C}">
+                <a14:useLocalDpi xmlns:a14="http://schemas.microsoft.com/office/drawing/2010/main" val="0"/>
+              </a:ext>
+            </a:extLst>
+          </a:blip>
+          <a:stretch>
+            <a:fillRect/>
+          </a:stretch>
+        </p:blipFill>
+        <p:spPr>
+          <a:xfrm>
+            <a:off x="3283827" y="4403842"/>
+            <a:ext cx="4780173" cy="1858956"/>
           </a:xfrm>
           <a:prstGeom prst="rect">
             <a:avLst/>
@@ -1573,7 +1660,7 @@
     </p:spTree>
     <p:extLst>
       <p:ext uri="{BB962C8B-B14F-4D97-AF65-F5344CB8AC3E}">
-        <p14:creationId xmlns:p14="http://schemas.microsoft.com/office/powerpoint/2010/main" val="1213232024"/>
+        <p14:creationId xmlns:p14="http://schemas.microsoft.com/office/powerpoint/2010/main" val="3735776811"/>
       </p:ext>
     </p:extLst>
   </p:cSld>
@@ -1623,7 +1710,15 @@
           <a:p>
             <a:r>
               <a:rPr lang="cs-CZ" dirty="0"/>
-              <a:t>Testování modelů (TLS)</a:t>
+              <a:t>Modelování </a:t>
+            </a:r>
+            <a:r>
+              <a:rPr lang="cs-CZ" dirty="0" err="1"/>
+              <a:t>Kyber</a:t>
+            </a:r>
+            <a:r>
+              <a:rPr lang="cs-CZ" dirty="0"/>
+              <a:t>-fyzikálních systémů</a:t>
             </a:r>
           </a:p>
         </p:txBody>
@@ -1656,26 +1751,33 @@
           <a:p>
             <a:r>
               <a:rPr lang="cs-CZ" dirty="0"/>
-              <a:t>Definice</a:t>
-            </a:r>
-          </a:p>
-          <a:p>
+              <a:t>Model </a:t>
+            </a:r>
+            <a:r>
+              <a:rPr lang="cs-CZ" dirty="0" err="1"/>
+              <a:t>driven</a:t>
+            </a:r>
+            <a:r>
+              <a:rPr lang="cs-CZ" dirty="0"/>
+              <a:t> </a:t>
+            </a:r>
+            <a:r>
+              <a:rPr lang="cs-CZ" dirty="0" err="1"/>
+              <a:t>developement</a:t>
+            </a:r>
             <a:endParaRPr lang="cs-CZ" dirty="0"/>
           </a:p>
           <a:p>
-            <a:r>
-              <a:rPr lang="cs-CZ" dirty="0"/>
-              <a:t>Příklady</a:t>
-            </a:r>
+            <a:endParaRPr lang="cs-CZ" dirty="0"/>
           </a:p>
         </p:txBody>
       </p:sp>
       <p:pic>
         <p:nvPicPr>
-          <p:cNvPr id="5" name="Zástupný symbol pro obsah 4" descr="Kontrolní seznam">
-            <a:extLst>
-              <a:ext uri="{FF2B5EF4-FFF2-40B4-BE49-F238E27FC236}">
-                <a16:creationId xmlns:a16="http://schemas.microsoft.com/office/drawing/2014/main" id="{03AE1425-0900-428C-B825-7FFFD5F58223}"/>
+          <p:cNvPr id="8" name="Grafický objekt 7" descr="Síť">
+            <a:extLst>
+              <a:ext uri="{FF2B5EF4-FFF2-40B4-BE49-F238E27FC236}">
+                <a16:creationId xmlns:a16="http://schemas.microsoft.com/office/drawing/2014/main" id="{2C544BB0-C07E-478B-A808-F225DDA180B4}"/>
               </a:ext>
             </a:extLst>
           </p:cNvPr>
@@ -1701,7 +1803,7 @@
         </p:blipFill>
         <p:spPr>
           <a:xfrm>
-            <a:off x="165600" y="1342800"/>
+            <a:off x="165599" y="1429567"/>
             <a:ext cx="914400" cy="914400"/>
           </a:xfrm>
           <a:prstGeom prst="rect">
@@ -1712,7 +1814,7 @@
     </p:spTree>
     <p:extLst>
       <p:ext uri="{BB962C8B-B14F-4D97-AF65-F5344CB8AC3E}">
-        <p14:creationId xmlns:p14="http://schemas.microsoft.com/office/powerpoint/2010/main" val="1536725085"/>
+        <p14:creationId xmlns:p14="http://schemas.microsoft.com/office/powerpoint/2010/main" val="498899578"/>
       </p:ext>
     </p:extLst>
   </p:cSld>
@@ -1762,7 +1864,15 @@
           <a:p>
             <a:r>
               <a:rPr lang="cs-CZ" dirty="0"/>
-              <a:t>Testování modelů (MTL)</a:t>
+              <a:t>Příklady modelů </a:t>
+            </a:r>
+            <a:r>
+              <a:rPr lang="cs-CZ" dirty="0" err="1"/>
+              <a:t>Kyber</a:t>
+            </a:r>
+            <a:r>
+              <a:rPr lang="cs-CZ" dirty="0"/>
+              <a:t>-fyzikálních systémů</a:t>
             </a:r>
           </a:p>
         </p:txBody>
@@ -1793,28 +1903,16 @@
           <a:bodyPr/>
           <a:lstStyle/>
           <a:p>
-            <a:r>
-              <a:rPr lang="cs-CZ" dirty="0"/>
-              <a:t>Definice</a:t>
-            </a:r>
-          </a:p>
-          <a:p>
             <a:endParaRPr lang="cs-CZ" dirty="0"/>
-          </a:p>
-          <a:p>
-            <a:r>
-              <a:rPr lang="cs-CZ" dirty="0"/>
-              <a:t>Příklady</a:t>
-            </a:r>
           </a:p>
         </p:txBody>
       </p:sp>
       <p:pic>
         <p:nvPicPr>
-          <p:cNvPr id="5" name="Zástupný symbol pro obsah 4" descr="Kontrolní seznam">
-            <a:extLst>
-              <a:ext uri="{FF2B5EF4-FFF2-40B4-BE49-F238E27FC236}">
-                <a16:creationId xmlns:a16="http://schemas.microsoft.com/office/drawing/2014/main" id="{03AE1425-0900-428C-B825-7FFFD5F58223}"/>
+          <p:cNvPr id="4" name="Grafický objekt 3" descr="Síť">
+            <a:extLst>
+              <a:ext uri="{FF2B5EF4-FFF2-40B4-BE49-F238E27FC236}">
+                <a16:creationId xmlns:a16="http://schemas.microsoft.com/office/drawing/2014/main" id="{A2C25B1F-BFDD-402A-9F5B-95FAF7C81B95}"/>
               </a:ext>
             </a:extLst>
           </p:cNvPr>
@@ -1840,7 +1938,7 @@
         </p:blipFill>
         <p:spPr>
           <a:xfrm>
-            <a:off x="165600" y="1342800"/>
+            <a:off x="165599" y="1429567"/>
             <a:ext cx="914400" cy="914400"/>
           </a:xfrm>
           <a:prstGeom prst="rect">
@@ -1851,7 +1949,7 @@
     </p:spTree>
     <p:extLst>
       <p:ext uri="{BB962C8B-B14F-4D97-AF65-F5344CB8AC3E}">
-        <p14:creationId xmlns:p14="http://schemas.microsoft.com/office/powerpoint/2010/main" val="2238727566"/>
+        <p14:creationId xmlns:p14="http://schemas.microsoft.com/office/powerpoint/2010/main" val="1213232024"/>
       </p:ext>
     </p:extLst>
   </p:cSld>
@@ -1901,23 +1999,7 @@
           <a:p>
             <a:r>
               <a:rPr lang="cs-CZ" dirty="0"/>
-              <a:t>S-</a:t>
-            </a:r>
-            <a:r>
-              <a:rPr lang="cs-CZ" dirty="0" err="1"/>
-              <a:t>Taliro</a:t>
-            </a:r>
-            <a:r>
-              <a:rPr lang="cs-CZ" dirty="0"/>
-              <a:t> </a:t>
-            </a:r>
-            <a:r>
-              <a:rPr lang="cs-CZ" dirty="0" err="1"/>
-              <a:t>tools</a:t>
-            </a:r>
-            <a:r>
-              <a:rPr lang="cs-CZ" dirty="0"/>
-              <a:t> (úvod)</a:t>
+              <a:t>Testování modelů (TLS)</a:t>
             </a:r>
           </a:p>
         </p:txBody>
@@ -1959,17 +2041,17 @@
           <a:p>
             <a:r>
               <a:rPr lang="cs-CZ" dirty="0"/>
-              <a:t>Příklady (video/manuál)</a:t>
+              <a:t>Příklady</a:t>
             </a:r>
           </a:p>
         </p:txBody>
       </p:sp>
       <p:pic>
         <p:nvPicPr>
-          <p:cNvPr id="6" name="Zástupný symbol pro obsah 4" descr="Stoupající trend">
-            <a:extLst>
-              <a:ext uri="{FF2B5EF4-FFF2-40B4-BE49-F238E27FC236}">
-                <a16:creationId xmlns:a16="http://schemas.microsoft.com/office/drawing/2014/main" id="{0B404680-BD46-4C51-B5EE-F1DBA615D1C3}"/>
+          <p:cNvPr id="5" name="Zástupný symbol pro obsah 4" descr="Kontrolní seznam">
+            <a:extLst>
+              <a:ext uri="{FF2B5EF4-FFF2-40B4-BE49-F238E27FC236}">
+                <a16:creationId xmlns:a16="http://schemas.microsoft.com/office/drawing/2014/main" id="{03AE1425-0900-428C-B825-7FFFD5F58223}"/>
               </a:ext>
             </a:extLst>
           </p:cNvPr>
@@ -1995,7 +2077,7 @@
         </p:blipFill>
         <p:spPr>
           <a:xfrm>
-            <a:off x="165600" y="1429567"/>
+            <a:off x="165600" y="1342800"/>
             <a:ext cx="914400" cy="914400"/>
           </a:xfrm>
           <a:prstGeom prst="rect">
@@ -2006,7 +2088,7 @@
     </p:spTree>
     <p:extLst>
       <p:ext uri="{BB962C8B-B14F-4D97-AF65-F5344CB8AC3E}">
-        <p14:creationId xmlns:p14="http://schemas.microsoft.com/office/powerpoint/2010/main" val="330013582"/>
+        <p14:creationId xmlns:p14="http://schemas.microsoft.com/office/powerpoint/2010/main" val="1536725085"/>
       </p:ext>
     </p:extLst>
   </p:cSld>
@@ -2056,31 +2138,7 @@
           <a:p>
             <a:r>
               <a:rPr lang="cs-CZ" dirty="0"/>
-              <a:t>S-</a:t>
-            </a:r>
-            <a:r>
-              <a:rPr lang="cs-CZ" dirty="0" err="1"/>
-              <a:t>Taliro</a:t>
-            </a:r>
-            <a:r>
-              <a:rPr lang="cs-CZ" dirty="0"/>
-              <a:t> </a:t>
-            </a:r>
-            <a:r>
-              <a:rPr lang="cs-CZ" dirty="0" err="1"/>
-              <a:t>tools</a:t>
-            </a:r>
-            <a:r>
-              <a:rPr lang="cs-CZ" dirty="0"/>
-              <a:t> (</a:t>
-            </a:r>
-            <a:r>
-              <a:rPr lang="cs-CZ" dirty="0" err="1"/>
-              <a:t>principles</a:t>
-            </a:r>
-            <a:r>
-              <a:rPr lang="cs-CZ" dirty="0"/>
-              <a:t>)</a:t>
+              <a:t>Testování modelů (MTL)</a:t>
             </a:r>
           </a:p>
         </p:txBody>
@@ -2113,15 +2171,7 @@
           <a:p>
             <a:r>
               <a:rPr lang="cs-CZ" dirty="0"/>
-              <a:t>Graf jak S-</a:t>
-            </a:r>
-            <a:r>
-              <a:rPr lang="cs-CZ" dirty="0" err="1"/>
-              <a:t>Taliro</a:t>
-            </a:r>
-            <a:r>
-              <a:rPr lang="cs-CZ" dirty="0"/>
-              <a:t> pracuje</a:t>
+              <a:t>Definice</a:t>
             </a:r>
           </a:p>
           <a:p>
@@ -2130,17 +2180,17 @@
           <a:p>
             <a:r>
               <a:rPr lang="cs-CZ" dirty="0"/>
-              <a:t>Proč je tak těžké ověřit MTL specifikaci?</a:t>
+              <a:t>Příklady</a:t>
             </a:r>
           </a:p>
         </p:txBody>
       </p:sp>
       <p:pic>
         <p:nvPicPr>
-          <p:cNvPr id="6" name="Zástupný symbol pro obsah 4" descr="Stoupající trend">
-            <a:extLst>
-              <a:ext uri="{FF2B5EF4-FFF2-40B4-BE49-F238E27FC236}">
-                <a16:creationId xmlns:a16="http://schemas.microsoft.com/office/drawing/2014/main" id="{0B404680-BD46-4C51-B5EE-F1DBA615D1C3}"/>
+          <p:cNvPr id="5" name="Zástupný symbol pro obsah 4" descr="Kontrolní seznam">
+            <a:extLst>
+              <a:ext uri="{FF2B5EF4-FFF2-40B4-BE49-F238E27FC236}">
+                <a16:creationId xmlns:a16="http://schemas.microsoft.com/office/drawing/2014/main" id="{03AE1425-0900-428C-B825-7FFFD5F58223}"/>
               </a:ext>
             </a:extLst>
           </p:cNvPr>
@@ -2166,7 +2216,7 @@
         </p:blipFill>
         <p:spPr>
           <a:xfrm>
-            <a:off x="165600" y="1429567"/>
+            <a:off x="165600" y="1342800"/>
             <a:ext cx="914400" cy="914400"/>
           </a:xfrm>
           <a:prstGeom prst="rect">
@@ -2177,7 +2227,7 @@
     </p:spTree>
     <p:extLst>
       <p:ext uri="{BB962C8B-B14F-4D97-AF65-F5344CB8AC3E}">
-        <p14:creationId xmlns:p14="http://schemas.microsoft.com/office/powerpoint/2010/main" val="3896376582"/>
+        <p14:creationId xmlns:p14="http://schemas.microsoft.com/office/powerpoint/2010/main" val="2238727566"/>
       </p:ext>
     </p:extLst>
   </p:cSld>
@@ -2243,15 +2293,7 @@
             </a:r>
             <a:r>
               <a:rPr lang="cs-CZ" dirty="0"/>
-              <a:t> (</a:t>
-            </a:r>
-            <a:r>
-              <a:rPr lang="cs-CZ" dirty="0" err="1"/>
-              <a:t>benchmarks</a:t>
-            </a:r>
-            <a:r>
-              <a:rPr lang="cs-CZ" dirty="0"/>
-              <a:t>)</a:t>
+              <a:t> (úvod)</a:t>
             </a:r>
           </a:p>
         </p:txBody>
@@ -2283,20 +2325,8 @@
           <a:lstStyle/>
           <a:p>
             <a:r>
-              <a:rPr lang="cs-CZ" dirty="0" err="1"/>
-              <a:t>Room</a:t>
-            </a:r>
-            <a:r>
-              <a:rPr lang="cs-CZ" dirty="0"/>
-              <a:t> </a:t>
-            </a:r>
-            <a:r>
-              <a:rPr lang="cs-CZ" dirty="0" err="1"/>
-              <a:t>heating</a:t>
-            </a:r>
-            <a:r>
-              <a:rPr lang="cs-CZ" dirty="0"/>
-              <a:t> model:</a:t>
+              <a:rPr lang="cs-CZ" dirty="0"/>
+              <a:t>Definice</a:t>
             </a:r>
           </a:p>
           <a:p>
@@ -2305,7 +2335,7 @@
           <a:p>
             <a:r>
               <a:rPr lang="cs-CZ" dirty="0"/>
-              <a:t>Video/manuální ukázka?</a:t>
+              <a:t>Příklady (video/manuál)</a:t>
             </a:r>
           </a:p>
         </p:txBody>
@@ -2352,7 +2382,7 @@
     </p:spTree>
     <p:extLst>
       <p:ext uri="{BB962C8B-B14F-4D97-AF65-F5344CB8AC3E}">
-        <p14:creationId xmlns:p14="http://schemas.microsoft.com/office/powerpoint/2010/main" val="2335145583"/>
+        <p14:creationId xmlns:p14="http://schemas.microsoft.com/office/powerpoint/2010/main" val="330013582"/>
       </p:ext>
     </p:extLst>
   </p:cSld>
@@ -2402,11 +2432,27 @@
           <a:p>
             <a:r>
               <a:rPr lang="cs-CZ" dirty="0"/>
-              <a:t>Můj výzkum (</a:t>
+              <a:t>S-</a:t>
             </a:r>
             <a:r>
               <a:rPr lang="cs-CZ" dirty="0" err="1"/>
-              <a:t>opportunities</a:t>
+              <a:t>Taliro</a:t>
+            </a:r>
+            <a:r>
+              <a:rPr lang="cs-CZ" dirty="0"/>
+              <a:t> </a:t>
+            </a:r>
+            <a:r>
+              <a:rPr lang="cs-CZ" dirty="0" err="1"/>
+              <a:t>tools</a:t>
+            </a:r>
+            <a:r>
+              <a:rPr lang="cs-CZ" dirty="0"/>
+              <a:t> (</a:t>
+            </a:r>
+            <a:r>
+              <a:rPr lang="cs-CZ" dirty="0" err="1"/>
+              <a:t>principles</a:t>
             </a:r>
             <a:r>
               <a:rPr lang="cs-CZ" dirty="0"/>
@@ -2443,25 +2489,34 @@
           <a:p>
             <a:r>
               <a:rPr lang="cs-CZ" dirty="0"/>
-              <a:t>Black-box testing vs. </a:t>
+              <a:t>Graf jak S-</a:t>
             </a:r>
             <a:r>
               <a:rPr lang="cs-CZ" dirty="0" err="1"/>
-              <a:t>White</a:t>
-            </a:r>
-            <a:r>
-              <a:rPr lang="cs-CZ" dirty="0"/>
-              <a:t>-box testing</a:t>
+              <a:t>Taliro</a:t>
+            </a:r>
+            <a:r>
+              <a:rPr lang="cs-CZ" dirty="0"/>
+              <a:t> pracuje</a:t>
+            </a:r>
+          </a:p>
+          <a:p>
+            <a:endParaRPr lang="cs-CZ" dirty="0"/>
+          </a:p>
+          <a:p>
+            <a:r>
+              <a:rPr lang="cs-CZ" dirty="0"/>
+              <a:t>Proč je tak těžké ověřit MTL specifikaci?</a:t>
             </a:r>
           </a:p>
         </p:txBody>
       </p:sp>
       <p:pic>
         <p:nvPicPr>
-          <p:cNvPr id="5" name="Grafický objekt 4" descr="Baňka">
-            <a:extLst>
-              <a:ext uri="{FF2B5EF4-FFF2-40B4-BE49-F238E27FC236}">
-                <a16:creationId xmlns:a16="http://schemas.microsoft.com/office/drawing/2014/main" id="{00D5900B-6AA4-46B5-8C77-8E22DA3963C1}"/>
+          <p:cNvPr id="6" name="Zástupný symbol pro obsah 4" descr="Stoupající trend">
+            <a:extLst>
+              <a:ext uri="{FF2B5EF4-FFF2-40B4-BE49-F238E27FC236}">
+                <a16:creationId xmlns:a16="http://schemas.microsoft.com/office/drawing/2014/main" id="{0B404680-BD46-4C51-B5EE-F1DBA615D1C3}"/>
               </a:ext>
             </a:extLst>
           </p:cNvPr>
@@ -2487,7 +2542,7 @@
         </p:blipFill>
         <p:spPr>
           <a:xfrm>
-            <a:off x="165599" y="1427470"/>
+            <a:off x="165600" y="1429567"/>
             <a:ext cx="914400" cy="914400"/>
           </a:xfrm>
           <a:prstGeom prst="rect">
@@ -2498,7 +2553,7 @@
     </p:spTree>
     <p:extLst>
       <p:ext uri="{BB962C8B-B14F-4D97-AF65-F5344CB8AC3E}">
-        <p14:creationId xmlns:p14="http://schemas.microsoft.com/office/powerpoint/2010/main" val="2494419123"/>
+        <p14:creationId xmlns:p14="http://schemas.microsoft.com/office/powerpoint/2010/main" val="3896376582"/>
       </p:ext>
     </p:extLst>
   </p:cSld>
@@ -2548,11 +2603,27 @@
           <a:p>
             <a:r>
               <a:rPr lang="cs-CZ" dirty="0"/>
-              <a:t>Můj výzkum (Jan </a:t>
+              <a:t>S-</a:t>
             </a:r>
             <a:r>
               <a:rPr lang="cs-CZ" dirty="0" err="1"/>
-              <a:t>Kacetl</a:t>
+              <a:t>Taliro</a:t>
+            </a:r>
+            <a:r>
+              <a:rPr lang="cs-CZ" dirty="0"/>
+              <a:t> </a:t>
+            </a:r>
+            <a:r>
+              <a:rPr lang="cs-CZ" dirty="0" err="1"/>
+              <a:t>tools</a:t>
+            </a:r>
+            <a:r>
+              <a:rPr lang="cs-CZ" dirty="0"/>
+              <a:t> (</a:t>
+            </a:r>
+            <a:r>
+              <a:rPr lang="cs-CZ" dirty="0" err="1"/>
+              <a:t>benchmarks</a:t>
             </a:r>
             <a:r>
               <a:rPr lang="cs-CZ" dirty="0"/>
@@ -2588,8 +2659,20 @@
           <a:lstStyle/>
           <a:p>
             <a:r>
-              <a:rPr lang="cs-CZ" dirty="0"/>
-              <a:t>Definice</a:t>
+              <a:rPr lang="cs-CZ" dirty="0" err="1"/>
+              <a:t>Room</a:t>
+            </a:r>
+            <a:r>
+              <a:rPr lang="cs-CZ" dirty="0"/>
+              <a:t> </a:t>
+            </a:r>
+            <a:r>
+              <a:rPr lang="cs-CZ" dirty="0" err="1"/>
+              <a:t>heating</a:t>
+            </a:r>
+            <a:r>
+              <a:rPr lang="cs-CZ" dirty="0"/>
+              <a:t> model:</a:t>
             </a:r>
           </a:p>
           <a:p>
@@ -2598,17 +2681,17 @@
           <a:p>
             <a:r>
               <a:rPr lang="cs-CZ" dirty="0"/>
-              <a:t>Příklad</a:t>
+              <a:t>Video/manuální ukázka?</a:t>
             </a:r>
           </a:p>
         </p:txBody>
       </p:sp>
       <p:pic>
         <p:nvPicPr>
-          <p:cNvPr id="5" name="Grafický objekt 4" descr="Baňka">
-            <a:extLst>
-              <a:ext uri="{FF2B5EF4-FFF2-40B4-BE49-F238E27FC236}">
-                <a16:creationId xmlns:a16="http://schemas.microsoft.com/office/drawing/2014/main" id="{00D5900B-6AA4-46B5-8C77-8E22DA3963C1}"/>
+          <p:cNvPr id="6" name="Zástupný symbol pro obsah 4" descr="Stoupající trend">
+            <a:extLst>
+              <a:ext uri="{FF2B5EF4-FFF2-40B4-BE49-F238E27FC236}">
+                <a16:creationId xmlns:a16="http://schemas.microsoft.com/office/drawing/2014/main" id="{0B404680-BD46-4C51-B5EE-F1DBA615D1C3}"/>
               </a:ext>
             </a:extLst>
           </p:cNvPr>
@@ -2634,7 +2717,7 @@
         </p:blipFill>
         <p:spPr>
           <a:xfrm>
-            <a:off x="165599" y="1427470"/>
+            <a:off x="165600" y="1429567"/>
             <a:ext cx="914400" cy="914400"/>
           </a:xfrm>
           <a:prstGeom prst="rect">
@@ -2645,7 +2728,7 @@
     </p:spTree>
     <p:extLst>
       <p:ext uri="{BB962C8B-B14F-4D97-AF65-F5344CB8AC3E}">
-        <p14:creationId xmlns:p14="http://schemas.microsoft.com/office/powerpoint/2010/main" val="2574445448"/>
+        <p14:creationId xmlns:p14="http://schemas.microsoft.com/office/powerpoint/2010/main" val="2335145583"/>
       </p:ext>
     </p:extLst>
   </p:cSld>
@@ -2699,15 +2782,7 @@
             </a:r>
             <a:r>
               <a:rPr lang="cs-CZ" dirty="0" err="1"/>
-              <a:t>future</a:t>
-            </a:r>
-            <a:r>
-              <a:rPr lang="cs-CZ" dirty="0"/>
-              <a:t> </a:t>
-            </a:r>
-            <a:r>
-              <a:rPr lang="cs-CZ" dirty="0" err="1"/>
-              <a:t>work</a:t>
+              <a:t>opportunities</a:t>
             </a:r>
             <a:r>
               <a:rPr lang="cs-CZ" dirty="0"/>
@@ -2742,66 +2817,18 @@
           <a:bodyPr/>
           <a:lstStyle/>
           <a:p>
-            <a:pPr marL="457200" indent="-457200">
-              <a:buFont typeface="+mj-lt"/>
-              <a:buAutoNum type="arabicPeriod"/>
-            </a:pPr>
+            <a:r>
+              <a:rPr lang="cs-CZ" dirty="0"/>
+              <a:t>Black-box testing vs. </a:t>
+            </a:r>
             <a:r>
               <a:rPr lang="cs-CZ" dirty="0" err="1"/>
-              <a:t>Fdsfsdf</a:t>
-            </a:r>
-            <a:endParaRPr lang="cs-CZ" dirty="0"/>
-          </a:p>
-          <a:p>
-            <a:pPr marL="457200" indent="-457200">
-              <a:buFont typeface="+mj-lt"/>
-              <a:buAutoNum type="arabicPeriod"/>
-            </a:pPr>
-            <a:r>
-              <a:rPr lang="cs-CZ" dirty="0" err="1"/>
-              <a:t>Sfdsfsdf</a:t>
-            </a:r>
-            <a:endParaRPr lang="cs-CZ" dirty="0"/>
-          </a:p>
-          <a:p>
-            <a:pPr marL="457200" indent="-457200">
-              <a:buFont typeface="+mj-lt"/>
-              <a:buAutoNum type="arabicPeriod"/>
-            </a:pPr>
-            <a:r>
-              <a:rPr lang="cs-CZ" dirty="0" err="1"/>
-              <a:t>Fdsdfsd</a:t>
-            </a:r>
-            <a:endParaRPr lang="cs-CZ" dirty="0"/>
-          </a:p>
-          <a:p>
-            <a:pPr marL="457200" indent="-457200">
-              <a:buFont typeface="+mj-lt"/>
-              <a:buAutoNum type="arabicPeriod"/>
-            </a:pPr>
-            <a:r>
-              <a:rPr lang="cs-CZ" dirty="0" err="1"/>
-              <a:t>Sdfsdfs</a:t>
-            </a:r>
-            <a:endParaRPr lang="cs-CZ" dirty="0"/>
-          </a:p>
-          <a:p>
-            <a:pPr marL="457200" indent="-457200">
-              <a:buFont typeface="+mj-lt"/>
-              <a:buAutoNum type="arabicPeriod"/>
-            </a:pPr>
-            <a:r>
-              <a:rPr lang="cs-CZ" dirty="0" err="1"/>
-              <a:t>Sdfsdfs</a:t>
-            </a:r>
-            <a:endParaRPr lang="cs-CZ" dirty="0"/>
-          </a:p>
-          <a:p>
-            <a:pPr marL="457200" indent="-457200">
-              <a:buFont typeface="+mj-lt"/>
-              <a:buAutoNum type="arabicPeriod"/>
-            </a:pPr>
-            <a:endParaRPr lang="cs-CZ" dirty="0"/>
+              <a:t>White</a:t>
+            </a:r>
+            <a:r>
+              <a:rPr lang="cs-CZ" dirty="0"/>
+              <a:t>-box testing</a:t>
+            </a:r>
           </a:p>
         </p:txBody>
       </p:sp>
@@ -2847,7 +2874,7 @@
     </p:spTree>
     <p:extLst>
       <p:ext uri="{BB962C8B-B14F-4D97-AF65-F5344CB8AC3E}">
-        <p14:creationId xmlns:p14="http://schemas.microsoft.com/office/powerpoint/2010/main" val="3006018686"/>
+        <p14:creationId xmlns:p14="http://schemas.microsoft.com/office/powerpoint/2010/main" val="2494419123"/>
       </p:ext>
     </p:extLst>
   </p:cSld>
@@ -2879,7 +2906,7 @@
           <p:cNvPr id="2" name="Nadpis 1">
             <a:extLst>
               <a:ext uri="{FF2B5EF4-FFF2-40B4-BE49-F238E27FC236}">
-                <a16:creationId xmlns:a16="http://schemas.microsoft.com/office/drawing/2014/main" id="{E081B52C-DD40-471F-95B8-93DC30607D4F}"/>
+                <a16:creationId xmlns:a16="http://schemas.microsoft.com/office/drawing/2014/main" id="{227AE72A-6128-4B44-9F6A-2C756BB849D9}"/>
               </a:ext>
             </a:extLst>
           </p:cNvPr>
@@ -2887,7 +2914,7 @@
             <a:spLocks noGrp="1"/>
           </p:cNvSpPr>
           <p:nvPr>
-            <p:ph type="ctrTitle"/>
+            <p:ph type="title"/>
           </p:nvPr>
         </p:nvSpPr>
         <p:spPr/>
@@ -2895,20 +2922,27 @@
           <a:bodyPr/>
           <a:lstStyle/>
           <a:p>
-            <a:pPr algn="ctr"/>
-            <a:r>
-              <a:rPr lang="cs-CZ" dirty="0"/>
-              <a:t>Konec části I.</a:t>
-            </a:r>
-          </a:p>
-        </p:txBody>
-      </p:sp>
-      <p:sp>
-        <p:nvSpPr>
-          <p:cNvPr id="3" name="Podnadpis 2">
-            <a:extLst>
-              <a:ext uri="{FF2B5EF4-FFF2-40B4-BE49-F238E27FC236}">
-                <a16:creationId xmlns:a16="http://schemas.microsoft.com/office/drawing/2014/main" id="{C4658D4A-355F-428E-83F7-CA2062E8C356}"/>
+            <a:r>
+              <a:rPr lang="cs-CZ" dirty="0"/>
+              <a:t>Můj výzkum (Jan </a:t>
+            </a:r>
+            <a:r>
+              <a:rPr lang="cs-CZ" dirty="0" err="1"/>
+              <a:t>Kacetl</a:t>
+            </a:r>
+            <a:r>
+              <a:rPr lang="cs-CZ" dirty="0"/>
+              <a:t>)</a:t>
+            </a:r>
+          </a:p>
+        </p:txBody>
+      </p:sp>
+      <p:sp>
+        <p:nvSpPr>
+          <p:cNvPr id="3" name="Zástupný symbol pro obsah 2">
+            <a:extLst>
+              <a:ext uri="{FF2B5EF4-FFF2-40B4-BE49-F238E27FC236}">
+                <a16:creationId xmlns:a16="http://schemas.microsoft.com/office/drawing/2014/main" id="{DB240D0B-819A-4F36-BBEB-1F5FA397B0CD}"/>
               </a:ext>
             </a:extLst>
           </p:cNvPr>
@@ -2916,33 +2950,78 @@
             <a:spLocks noGrp="1"/>
           </p:cNvSpPr>
           <p:nvPr>
-            <p:ph type="subTitle" idx="1"/>
+            <p:ph idx="1"/>
           </p:nvPr>
         </p:nvSpPr>
-        <p:spPr/>
+        <p:spPr>
+          <a:xfrm>
+            <a:off x="1079999" y="3059766"/>
+            <a:ext cx="7794000" cy="3528000"/>
+          </a:xfrm>
+        </p:spPr>
         <p:txBody>
           <a:bodyPr/>
           <a:lstStyle/>
           <a:p>
-            <a:pPr algn="ctr"/>
-            <a:r>
-              <a:rPr lang="cs-CZ" sz="3200" dirty="0"/>
-              <a:t>Děkuji za pozornost</a:t>
-            </a:r>
-          </a:p>
-          <a:p>
-            <a:pPr algn="ctr"/>
-            <a:r>
-              <a:rPr lang="cs-CZ" sz="2800" dirty="0"/>
-              <a:t>Dotazy?</a:t>
-            </a:r>
-          </a:p>
-        </p:txBody>
-      </p:sp>
+            <a:r>
+              <a:rPr lang="cs-CZ" dirty="0"/>
+              <a:t>Definice</a:t>
+            </a:r>
+          </a:p>
+          <a:p>
+            <a:endParaRPr lang="cs-CZ" dirty="0"/>
+          </a:p>
+          <a:p>
+            <a:r>
+              <a:rPr lang="cs-CZ" dirty="0"/>
+              <a:t>Příklad</a:t>
+            </a:r>
+          </a:p>
+        </p:txBody>
+      </p:sp>
+      <p:pic>
+        <p:nvPicPr>
+          <p:cNvPr id="5" name="Grafický objekt 4" descr="Baňka">
+            <a:extLst>
+              <a:ext uri="{FF2B5EF4-FFF2-40B4-BE49-F238E27FC236}">
+                <a16:creationId xmlns:a16="http://schemas.microsoft.com/office/drawing/2014/main" id="{00D5900B-6AA4-46B5-8C77-8E22DA3963C1}"/>
+              </a:ext>
+            </a:extLst>
+          </p:cNvPr>
+          <p:cNvPicPr>
+            <a:picLocks noChangeAspect="1"/>
+          </p:cNvPicPr>
+          <p:nvPr/>
+        </p:nvPicPr>
+        <p:blipFill>
+          <a:blip r:embed="rId2">
+            <a:extLst>
+              <a:ext uri="{28A0092B-C50C-407E-A947-70E740481C1C}">
+                <a14:useLocalDpi xmlns:a14="http://schemas.microsoft.com/office/drawing/2010/main" val="0"/>
+              </a:ext>
+              <a:ext uri="{96DAC541-7B7A-43D3-8B79-37D633B846F1}">
+                <asvg:svgBlip xmlns:asvg="http://schemas.microsoft.com/office/drawing/2016/SVG/main" r:embed="rId3"/>
+              </a:ext>
+            </a:extLst>
+          </a:blip>
+          <a:stretch>
+            <a:fillRect/>
+          </a:stretch>
+        </p:blipFill>
+        <p:spPr>
+          <a:xfrm>
+            <a:off x="165599" y="1427470"/>
+            <a:ext cx="914400" cy="914400"/>
+          </a:xfrm>
+          <a:prstGeom prst="rect">
+            <a:avLst/>
+          </a:prstGeom>
+        </p:spPr>
+      </p:pic>
     </p:spTree>
     <p:extLst>
       <p:ext uri="{BB962C8B-B14F-4D97-AF65-F5344CB8AC3E}">
-        <p14:creationId xmlns:p14="http://schemas.microsoft.com/office/powerpoint/2010/main" val="542483529"/>
+        <p14:creationId xmlns:p14="http://schemas.microsoft.com/office/powerpoint/2010/main" val="2574445448"/>
       </p:ext>
     </p:extLst>
   </p:cSld>
@@ -3359,6 +3438,303 @@
     <p:extLst>
       <p:ext uri="{BB962C8B-B14F-4D97-AF65-F5344CB8AC3E}">
         <p14:creationId xmlns:p14="http://schemas.microsoft.com/office/powerpoint/2010/main" val="646610437"/>
+      </p:ext>
+    </p:extLst>
+  </p:cSld>
+  <p:clrMapOvr>
+    <a:masterClrMapping/>
+  </p:clrMapOvr>
+</p:sld>
+</file>
+
+<file path=ppt/slides/slide20.xml><?xml version="1.0" encoding="utf-8"?>
+<p:sld xmlns:a="http://schemas.openxmlformats.org/drawingml/2006/main" xmlns:r="http://schemas.openxmlformats.org/officeDocument/2006/relationships" xmlns:p="http://schemas.openxmlformats.org/presentationml/2006/main">
+  <p:cSld>
+    <p:spTree>
+      <p:nvGrpSpPr>
+        <p:cNvPr id="1" name=""/>
+        <p:cNvGrpSpPr/>
+        <p:nvPr/>
+      </p:nvGrpSpPr>
+      <p:grpSpPr>
+        <a:xfrm>
+          <a:off x="0" y="0"/>
+          <a:ext cx="0" cy="0"/>
+          <a:chOff x="0" y="0"/>
+          <a:chExt cx="0" cy="0"/>
+        </a:xfrm>
+      </p:grpSpPr>
+      <p:sp>
+        <p:nvSpPr>
+          <p:cNvPr id="2" name="Nadpis 1">
+            <a:extLst>
+              <a:ext uri="{FF2B5EF4-FFF2-40B4-BE49-F238E27FC236}">
+                <a16:creationId xmlns:a16="http://schemas.microsoft.com/office/drawing/2014/main" id="{227AE72A-6128-4B44-9F6A-2C756BB849D9}"/>
+              </a:ext>
+            </a:extLst>
+          </p:cNvPr>
+          <p:cNvSpPr>
+            <a:spLocks noGrp="1"/>
+          </p:cNvSpPr>
+          <p:nvPr>
+            <p:ph type="title"/>
+          </p:nvPr>
+        </p:nvSpPr>
+        <p:spPr/>
+        <p:txBody>
+          <a:bodyPr/>
+          <a:lstStyle/>
+          <a:p>
+            <a:r>
+              <a:rPr lang="cs-CZ" dirty="0"/>
+              <a:t>Můj výzkum (</a:t>
+            </a:r>
+            <a:r>
+              <a:rPr lang="cs-CZ" dirty="0" err="1"/>
+              <a:t>future</a:t>
+            </a:r>
+            <a:r>
+              <a:rPr lang="cs-CZ" dirty="0"/>
+              <a:t> </a:t>
+            </a:r>
+            <a:r>
+              <a:rPr lang="cs-CZ" dirty="0" err="1"/>
+              <a:t>work</a:t>
+            </a:r>
+            <a:r>
+              <a:rPr lang="cs-CZ" dirty="0"/>
+              <a:t>)</a:t>
+            </a:r>
+          </a:p>
+        </p:txBody>
+      </p:sp>
+      <p:sp>
+        <p:nvSpPr>
+          <p:cNvPr id="3" name="Zástupný symbol pro obsah 2">
+            <a:extLst>
+              <a:ext uri="{FF2B5EF4-FFF2-40B4-BE49-F238E27FC236}">
+                <a16:creationId xmlns:a16="http://schemas.microsoft.com/office/drawing/2014/main" id="{DB240D0B-819A-4F36-BBEB-1F5FA397B0CD}"/>
+              </a:ext>
+            </a:extLst>
+          </p:cNvPr>
+          <p:cNvSpPr>
+            <a:spLocks noGrp="1"/>
+          </p:cNvSpPr>
+          <p:nvPr>
+            <p:ph idx="1"/>
+          </p:nvPr>
+        </p:nvSpPr>
+        <p:spPr>
+          <a:xfrm>
+            <a:off x="1079999" y="3059766"/>
+            <a:ext cx="7794000" cy="3528000"/>
+          </a:xfrm>
+        </p:spPr>
+        <p:txBody>
+          <a:bodyPr/>
+          <a:lstStyle/>
+          <a:p>
+            <a:pPr marL="457200" indent="-457200">
+              <a:buFont typeface="+mj-lt"/>
+              <a:buAutoNum type="arabicPeriod"/>
+            </a:pPr>
+            <a:r>
+              <a:rPr lang="cs-CZ" dirty="0" err="1"/>
+              <a:t>Fdsfsdf</a:t>
+            </a:r>
+            <a:endParaRPr lang="cs-CZ" dirty="0"/>
+          </a:p>
+          <a:p>
+            <a:pPr marL="457200" indent="-457200">
+              <a:buFont typeface="+mj-lt"/>
+              <a:buAutoNum type="arabicPeriod"/>
+            </a:pPr>
+            <a:r>
+              <a:rPr lang="cs-CZ" dirty="0" err="1"/>
+              <a:t>Sfdsfsdf</a:t>
+            </a:r>
+            <a:endParaRPr lang="cs-CZ" dirty="0"/>
+          </a:p>
+          <a:p>
+            <a:pPr marL="457200" indent="-457200">
+              <a:buFont typeface="+mj-lt"/>
+              <a:buAutoNum type="arabicPeriod"/>
+            </a:pPr>
+            <a:r>
+              <a:rPr lang="cs-CZ" dirty="0" err="1"/>
+              <a:t>Fdsdfsd</a:t>
+            </a:r>
+            <a:endParaRPr lang="cs-CZ" dirty="0"/>
+          </a:p>
+          <a:p>
+            <a:pPr marL="457200" indent="-457200">
+              <a:buFont typeface="+mj-lt"/>
+              <a:buAutoNum type="arabicPeriod"/>
+            </a:pPr>
+            <a:r>
+              <a:rPr lang="cs-CZ" dirty="0" err="1"/>
+              <a:t>Sdfsdfs</a:t>
+            </a:r>
+            <a:endParaRPr lang="cs-CZ" dirty="0"/>
+          </a:p>
+          <a:p>
+            <a:pPr marL="457200" indent="-457200">
+              <a:buFont typeface="+mj-lt"/>
+              <a:buAutoNum type="arabicPeriod"/>
+            </a:pPr>
+            <a:r>
+              <a:rPr lang="cs-CZ" dirty="0" err="1"/>
+              <a:t>Sdfsdfs</a:t>
+            </a:r>
+            <a:endParaRPr lang="cs-CZ" dirty="0"/>
+          </a:p>
+          <a:p>
+            <a:pPr marL="457200" indent="-457200">
+              <a:buFont typeface="+mj-lt"/>
+              <a:buAutoNum type="arabicPeriod"/>
+            </a:pPr>
+            <a:endParaRPr lang="cs-CZ" dirty="0"/>
+          </a:p>
+        </p:txBody>
+      </p:sp>
+      <p:pic>
+        <p:nvPicPr>
+          <p:cNvPr id="5" name="Grafický objekt 4" descr="Baňka">
+            <a:extLst>
+              <a:ext uri="{FF2B5EF4-FFF2-40B4-BE49-F238E27FC236}">
+                <a16:creationId xmlns:a16="http://schemas.microsoft.com/office/drawing/2014/main" id="{00D5900B-6AA4-46B5-8C77-8E22DA3963C1}"/>
+              </a:ext>
+            </a:extLst>
+          </p:cNvPr>
+          <p:cNvPicPr>
+            <a:picLocks noChangeAspect="1"/>
+          </p:cNvPicPr>
+          <p:nvPr/>
+        </p:nvPicPr>
+        <p:blipFill>
+          <a:blip r:embed="rId2">
+            <a:extLst>
+              <a:ext uri="{28A0092B-C50C-407E-A947-70E740481C1C}">
+                <a14:useLocalDpi xmlns:a14="http://schemas.microsoft.com/office/drawing/2010/main" val="0"/>
+              </a:ext>
+              <a:ext uri="{96DAC541-7B7A-43D3-8B79-37D633B846F1}">
+                <asvg:svgBlip xmlns:asvg="http://schemas.microsoft.com/office/drawing/2016/SVG/main" r:embed="rId3"/>
+              </a:ext>
+            </a:extLst>
+          </a:blip>
+          <a:stretch>
+            <a:fillRect/>
+          </a:stretch>
+        </p:blipFill>
+        <p:spPr>
+          <a:xfrm>
+            <a:off x="165599" y="1427470"/>
+            <a:ext cx="914400" cy="914400"/>
+          </a:xfrm>
+          <a:prstGeom prst="rect">
+            <a:avLst/>
+          </a:prstGeom>
+        </p:spPr>
+      </p:pic>
+    </p:spTree>
+    <p:extLst>
+      <p:ext uri="{BB962C8B-B14F-4D97-AF65-F5344CB8AC3E}">
+        <p14:creationId xmlns:p14="http://schemas.microsoft.com/office/powerpoint/2010/main" val="3006018686"/>
+      </p:ext>
+    </p:extLst>
+  </p:cSld>
+  <p:clrMapOvr>
+    <a:masterClrMapping/>
+  </p:clrMapOvr>
+</p:sld>
+</file>
+
+<file path=ppt/slides/slide21.xml><?xml version="1.0" encoding="utf-8"?>
+<p:sld xmlns:a="http://schemas.openxmlformats.org/drawingml/2006/main" xmlns:r="http://schemas.openxmlformats.org/officeDocument/2006/relationships" xmlns:p="http://schemas.openxmlformats.org/presentationml/2006/main">
+  <p:cSld>
+    <p:spTree>
+      <p:nvGrpSpPr>
+        <p:cNvPr id="1" name=""/>
+        <p:cNvGrpSpPr/>
+        <p:nvPr/>
+      </p:nvGrpSpPr>
+      <p:grpSpPr>
+        <a:xfrm>
+          <a:off x="0" y="0"/>
+          <a:ext cx="0" cy="0"/>
+          <a:chOff x="0" y="0"/>
+          <a:chExt cx="0" cy="0"/>
+        </a:xfrm>
+      </p:grpSpPr>
+      <p:sp>
+        <p:nvSpPr>
+          <p:cNvPr id="2" name="Nadpis 1">
+            <a:extLst>
+              <a:ext uri="{FF2B5EF4-FFF2-40B4-BE49-F238E27FC236}">
+                <a16:creationId xmlns:a16="http://schemas.microsoft.com/office/drawing/2014/main" id="{E081B52C-DD40-471F-95B8-93DC30607D4F}"/>
+              </a:ext>
+            </a:extLst>
+          </p:cNvPr>
+          <p:cNvSpPr>
+            <a:spLocks noGrp="1"/>
+          </p:cNvSpPr>
+          <p:nvPr>
+            <p:ph type="ctrTitle"/>
+          </p:nvPr>
+        </p:nvSpPr>
+        <p:spPr/>
+        <p:txBody>
+          <a:bodyPr/>
+          <a:lstStyle/>
+          <a:p>
+            <a:pPr algn="ctr"/>
+            <a:r>
+              <a:rPr lang="cs-CZ" dirty="0"/>
+              <a:t>Konec části I.</a:t>
+            </a:r>
+          </a:p>
+        </p:txBody>
+      </p:sp>
+      <p:sp>
+        <p:nvSpPr>
+          <p:cNvPr id="3" name="Podnadpis 2">
+            <a:extLst>
+              <a:ext uri="{FF2B5EF4-FFF2-40B4-BE49-F238E27FC236}">
+                <a16:creationId xmlns:a16="http://schemas.microsoft.com/office/drawing/2014/main" id="{C4658D4A-355F-428E-83F7-CA2062E8C356}"/>
+              </a:ext>
+            </a:extLst>
+          </p:cNvPr>
+          <p:cNvSpPr>
+            <a:spLocks noGrp="1"/>
+          </p:cNvSpPr>
+          <p:nvPr>
+            <p:ph type="subTitle" idx="1"/>
+          </p:nvPr>
+        </p:nvSpPr>
+        <p:spPr/>
+        <p:txBody>
+          <a:bodyPr/>
+          <a:lstStyle/>
+          <a:p>
+            <a:pPr algn="ctr"/>
+            <a:r>
+              <a:rPr lang="cs-CZ" sz="3200" dirty="0"/>
+              <a:t>Děkuji za pozornost</a:t>
+            </a:r>
+          </a:p>
+          <a:p>
+            <a:pPr algn="ctr"/>
+            <a:r>
+              <a:rPr lang="cs-CZ" sz="2800" dirty="0"/>
+              <a:t>Dotazy?</a:t>
+            </a:r>
+          </a:p>
+        </p:txBody>
+      </p:sp>
+    </p:spTree>
+    <p:extLst>
+      <p:ext uri="{BB962C8B-B14F-4D97-AF65-F5344CB8AC3E}">
+        <p14:creationId xmlns:p14="http://schemas.microsoft.com/office/powerpoint/2010/main" val="542483529"/>
       </p:ext>
     </p:extLst>
   </p:cSld>
@@ -5575,22 +5951,47 @@
           </a:xfrm>
         </p:spPr>
         <p:txBody>
-          <a:bodyPr/>
+          <a:bodyPr>
+            <a:normAutofit fontScale="92500" lnSpcReduction="10000"/>
+          </a:bodyPr>
           <a:lstStyle/>
           <a:p>
             <a:r>
               <a:rPr lang="cs-CZ" dirty="0"/>
               <a:t>Definice</a:t>
             </a:r>
-          </a:p>
-          <a:p>
+            <a:endParaRPr lang="en-US" dirty="0"/>
+          </a:p>
+          <a:p>
+            <a:pPr marL="342900" indent="-342900">
+              <a:buFont typeface="Arial" panose="020B0604020202020204" pitchFamily="34" charset="0"/>
+              <a:buChar char="•"/>
+            </a:pPr>
+            <a:r>
+              <a:rPr lang="en-US" dirty="0"/>
+              <a:t>Cyber-Physical Systems (CPS) is defined as transformative technologies for managing interconnected systems between its physical assets and computational capabilities.</a:t>
+            </a:r>
+          </a:p>
+          <a:p>
+            <a:pPr marL="342900" indent="-342900">
+              <a:buFont typeface="Arial" panose="020B0604020202020204" pitchFamily="34" charset="0"/>
+              <a:buChar char="•"/>
+            </a:pPr>
+            <a:r>
+              <a:rPr lang="en-US" dirty="0"/>
+              <a:t>The term cyber-physical systems (CPS) refers to a new generation of systems with integrated computational and physical capabilities that can interact with humans through many new modalities.</a:t>
+            </a:r>
+          </a:p>
+          <a:p>
+            <a:pPr marL="342900" indent="-342900">
+              <a:buFont typeface="Arial" panose="020B0604020202020204" pitchFamily="34" charset="0"/>
+              <a:buChar char="•"/>
+            </a:pPr>
+            <a:r>
+              <a:rPr lang="en-US" dirty="0"/>
+              <a:t>Cyber-physical systems (CPS) are physical and engineered systems whose operations are monitored, coordinated, controlled and integrated by a computing and communication core.</a:t>
+            </a:r>
             <a:endParaRPr lang="cs-CZ" dirty="0"/>
-          </a:p>
-          <a:p>
-            <a:r>
-              <a:rPr lang="cs-CZ" dirty="0"/>
-              <a:t>Příklady</a:t>
-            </a:r>
           </a:p>
         </p:txBody>
       </p:sp>
@@ -5685,75 +6086,61 @@
           <a:lstStyle/>
           <a:p>
             <a:r>
-              <a:rPr lang="cs-CZ" dirty="0"/>
-              <a:t>Modelování </a:t>
+              <a:rPr lang="en-US" dirty="0" err="1"/>
+              <a:t>Kyber-fyzik</a:t>
             </a:r>
             <a:r>
               <a:rPr lang="cs-CZ" dirty="0" err="1"/>
-              <a:t>Kyber</a:t>
-            </a:r>
-            <a:r>
-              <a:rPr lang="cs-CZ" dirty="0"/>
-              <a:t>-fyzikálních systémů</a:t>
-            </a:r>
-          </a:p>
-        </p:txBody>
-      </p:sp>
-      <p:sp>
-        <p:nvSpPr>
-          <p:cNvPr id="3" name="Zástupný symbol pro obsah 2">
-            <a:extLst>
-              <a:ext uri="{FF2B5EF4-FFF2-40B4-BE49-F238E27FC236}">
-                <a16:creationId xmlns:a16="http://schemas.microsoft.com/office/drawing/2014/main" id="{DB240D0B-819A-4F36-BBEB-1F5FA397B0CD}"/>
-              </a:ext>
-            </a:extLst>
-          </p:cNvPr>
-          <p:cNvSpPr>
-            <a:spLocks noGrp="1"/>
-          </p:cNvSpPr>
+              <a:t>ální</a:t>
+            </a:r>
+            <a:r>
+              <a:rPr lang="cs-CZ" dirty="0"/>
+              <a:t> systémy</a:t>
+            </a:r>
+          </a:p>
+        </p:txBody>
+      </p:sp>
+      <p:pic>
+        <p:nvPicPr>
+          <p:cNvPr id="6" name="Zástupný symbol pro obsah 5">
+            <a:extLst>
+              <a:ext uri="{FF2B5EF4-FFF2-40B4-BE49-F238E27FC236}">
+                <a16:creationId xmlns:a16="http://schemas.microsoft.com/office/drawing/2014/main" id="{B835FBDC-A22A-4382-AF0B-98CB51455527}"/>
+              </a:ext>
+            </a:extLst>
+          </p:cNvPr>
+          <p:cNvPicPr>
+            <a:picLocks noGrp="1" noChangeAspect="1"/>
+          </p:cNvPicPr>
           <p:nvPr>
             <p:ph idx="1"/>
           </p:nvPr>
-        </p:nvSpPr>
-        <p:spPr>
-          <a:xfrm>
-            <a:off x="1079999" y="3059766"/>
-            <a:ext cx="7794000" cy="3528000"/>
-          </a:xfrm>
-        </p:spPr>
-        <p:txBody>
-          <a:bodyPr/>
-          <a:lstStyle/>
-          <a:p>
-            <a:r>
-              <a:rPr lang="cs-CZ" dirty="0"/>
-              <a:t>Model </a:t>
-            </a:r>
-            <a:r>
-              <a:rPr lang="cs-CZ" dirty="0" err="1"/>
-              <a:t>driven</a:t>
-            </a:r>
-            <a:r>
-              <a:rPr lang="cs-CZ" dirty="0"/>
-              <a:t> </a:t>
-            </a:r>
-            <a:r>
-              <a:rPr lang="cs-CZ" dirty="0" err="1"/>
-              <a:t>developement</a:t>
-            </a:r>
-            <a:endParaRPr lang="cs-CZ" dirty="0"/>
-          </a:p>
-          <a:p>
-            <a:endParaRPr lang="cs-CZ" dirty="0"/>
-          </a:p>
-        </p:txBody>
-      </p:sp>
+        </p:nvPicPr>
+        <p:blipFill>
+          <a:blip r:embed="rId2">
+            <a:extLst>
+              <a:ext uri="{28A0092B-C50C-407E-A947-70E740481C1C}">
+                <a14:useLocalDpi xmlns:a14="http://schemas.microsoft.com/office/drawing/2010/main" val="0"/>
+              </a:ext>
+            </a:extLst>
+          </a:blip>
+          <a:stretch>
+            <a:fillRect/>
+          </a:stretch>
+        </p:blipFill>
+        <p:spPr>
+          <a:xfrm>
+            <a:off x="1193089" y="2887934"/>
+            <a:ext cx="6757821" cy="3409768"/>
+          </a:xfrm>
+        </p:spPr>
+      </p:pic>
       <p:pic>
         <p:nvPicPr>
-          <p:cNvPr id="8" name="Grafický objekt 7" descr="Síť">
-            <a:extLst>
-              <a:ext uri="{FF2B5EF4-FFF2-40B4-BE49-F238E27FC236}">
-                <a16:creationId xmlns:a16="http://schemas.microsoft.com/office/drawing/2014/main" id="{2C544BB0-C07E-478B-A808-F225DDA180B4}"/>
+          <p:cNvPr id="5" name="Grafický objekt 4" descr="Přehrávač DVD">
+            <a:extLst>
+              <a:ext uri="{FF2B5EF4-FFF2-40B4-BE49-F238E27FC236}">
+                <a16:creationId xmlns:a16="http://schemas.microsoft.com/office/drawing/2014/main" id="{1C05C4EF-711C-4C62-92EC-A28B5A39F975}"/>
               </a:ext>
             </a:extLst>
           </p:cNvPr>
@@ -5763,13 +6150,13 @@
           <p:nvPr/>
         </p:nvPicPr>
         <p:blipFill>
-          <a:blip r:embed="rId2">
+          <a:blip r:embed="rId3">
             <a:extLst>
               <a:ext uri="{28A0092B-C50C-407E-A947-70E740481C1C}">
                 <a14:useLocalDpi xmlns:a14="http://schemas.microsoft.com/office/drawing/2010/main" val="0"/>
               </a:ext>
               <a:ext uri="{96DAC541-7B7A-43D3-8B79-37D633B846F1}">
-                <asvg:svgBlip xmlns:asvg="http://schemas.microsoft.com/office/drawing/2016/SVG/main" r:embed="rId3"/>
+                <asvg:svgBlip xmlns:asvg="http://schemas.microsoft.com/office/drawing/2016/SVG/main" r:embed="rId4"/>
               </a:ext>
             </a:extLst>
           </a:blip>
@@ -5779,7 +6166,7 @@
         </p:blipFill>
         <p:spPr>
           <a:xfrm>
-            <a:off x="165599" y="1429567"/>
+            <a:off x="165599" y="1628168"/>
             <a:ext cx="914400" cy="914400"/>
           </a:xfrm>
           <a:prstGeom prst="rect">
@@ -5790,7 +6177,7 @@
     </p:spTree>
     <p:extLst>
       <p:ext uri="{BB962C8B-B14F-4D97-AF65-F5344CB8AC3E}">
-        <p14:creationId xmlns:p14="http://schemas.microsoft.com/office/powerpoint/2010/main" val="498899578"/>
+        <p14:creationId xmlns:p14="http://schemas.microsoft.com/office/powerpoint/2010/main" val="989347130"/>
       </p:ext>
     </p:extLst>
   </p:cSld>

--- a/thesis/state_of_the_art_presentation/2018.01.17_SotA_presCZ.pptx
+++ b/thesis/state_of_the_art_presentation/2018.01.17_SotA_presCZ.pptx
@@ -17,11 +17,11 @@
     <p:sldId id="278" r:id="rId11"/>
     <p:sldId id="264" r:id="rId12"/>
     <p:sldId id="265" r:id="rId13"/>
-    <p:sldId id="268" r:id="rId14"/>
-    <p:sldId id="269" r:id="rId15"/>
-    <p:sldId id="271" r:id="rId16"/>
-    <p:sldId id="272" r:id="rId17"/>
-    <p:sldId id="273" r:id="rId18"/>
+    <p:sldId id="280" r:id="rId14"/>
+    <p:sldId id="268" r:id="rId15"/>
+    <p:sldId id="269" r:id="rId16"/>
+    <p:sldId id="271" r:id="rId17"/>
+    <p:sldId id="272" r:id="rId18"/>
     <p:sldId id="274" r:id="rId19"/>
     <p:sldId id="275" r:id="rId20"/>
     <p:sldId id="276" r:id="rId21"/>
@@ -31,11 +31,11 @@
   <p:notesSz cx="6858000" cy="9144000"/>
   <p:embeddedFontLst>
     <p:embeddedFont>
-      <p:font typeface="Technika-Bold" panose="00000600000000000000" charset="-18"/>
+      <p:font typeface="Technika-Bold" panose="00000600000000000000" charset="0"/>
       <p:regular r:id="rId23"/>
     </p:embeddedFont>
     <p:embeddedFont>
-      <p:font typeface="Technika" panose="020B0604020202020204" charset="-18"/>
+      <p:font typeface="Technika" panose="020B0604020202020204" charset="0"/>
       <p:regular r:id="rId24"/>
       <p:bold r:id="rId25"/>
       <p:italic r:id="rId26"/>
@@ -311,12 +311,20 @@
               <a:rPr lang="cs-CZ" dirty="0"/>
               <a:t>NÁZEV FAKULTY A PRACOVIŠTĚ</a:t>
             </a:r>
+            <a:r>
+              <a:rPr lang="en-US" dirty="0"/>
+              <a:t/>
+            </a:r>
             <a:br>
               <a:rPr lang="en-US" dirty="0"/>
             </a:br>
             <a:r>
               <a:rPr lang="cs-CZ" dirty="0"/>
               <a:t>AUTOR/TITUL JMÉNO PŘÍJMENÍ</a:t>
+            </a:r>
+            <a:r>
+              <a:rPr lang="en-US" dirty="0"/>
+              <a:t/>
             </a:r>
             <a:br>
               <a:rPr lang="en-US" dirty="0"/>
@@ -574,12 +582,20 @@
               <a:rPr lang="cs-CZ" dirty="0"/>
               <a:t>NÁZEV FAKULTY A PRACOVIŠTĚ</a:t>
             </a:r>
+            <a:r>
+              <a:rPr lang="en-US" dirty="0"/>
+              <a:t/>
+            </a:r>
             <a:br>
               <a:rPr lang="en-US" dirty="0"/>
             </a:br>
             <a:r>
               <a:rPr lang="cs-CZ" dirty="0"/>
               <a:t>AUTOR/TITUL JMÉNO PŘÍJMENÍ</a:t>
+            </a:r>
+            <a:r>
+              <a:rPr lang="en-US" dirty="0"/>
+              <a:t/>
             </a:r>
             <a:br>
               <a:rPr lang="en-US" dirty="0"/>
@@ -1451,6 +1467,13 @@
   <p:clrMapOvr>
     <a:masterClrMapping/>
   </p:clrMapOvr>
+  <p:timing>
+    <p:tnLst>
+      <p:par>
+        <p:cTn id="1" dur="indefinite" restart="never" nodeType="tmRoot"/>
+      </p:par>
+    </p:tnLst>
+  </p:timing>
 </p:sld>
 </file>
 
@@ -1476,7 +1499,7 @@
           <p:cNvPr id="2" name="Nadpis 1">
             <a:extLst>
               <a:ext uri="{FF2B5EF4-FFF2-40B4-BE49-F238E27FC236}">
-                <a16:creationId xmlns:a16="http://schemas.microsoft.com/office/drawing/2014/main" id="{227AE72A-6128-4B44-9F6A-2C756BB849D9}"/>
+                <a16:creationId xmlns:a16="http://schemas.microsoft.com/office/drawing/2014/main" xmlns="" id="{227AE72A-6128-4B44-9F6A-2C756BB849D9}"/>
               </a:ext>
             </a:extLst>
           </p:cNvPr>
@@ -1517,7 +1540,7 @@
           <p:cNvPr id="3" name="Zástupný symbol pro obsah 2">
             <a:extLst>
               <a:ext uri="{FF2B5EF4-FFF2-40B4-BE49-F238E27FC236}">
-                <a16:creationId xmlns:a16="http://schemas.microsoft.com/office/drawing/2014/main" id="{DB240D0B-819A-4F36-BBEB-1F5FA397B0CD}"/>
+                <a16:creationId xmlns:a16="http://schemas.microsoft.com/office/drawing/2014/main" xmlns="" id="{DB240D0B-819A-4F36-BBEB-1F5FA397B0CD}"/>
               </a:ext>
             </a:extLst>
           </p:cNvPr>
@@ -1577,7 +1600,15 @@
             </a:pPr>
             <a:r>
               <a:rPr lang="cs-CZ" dirty="0"/>
-              <a:t>Protézy, jako například nervově ovládaná umělá dolní končetina</a:t>
+              <a:t>Protézy, </a:t>
+            </a:r>
+            <a:r>
+              <a:rPr lang="cs-CZ" dirty="0" smtClean="0"/>
+              <a:t>např. nervově </a:t>
+            </a:r>
+            <a:r>
+              <a:rPr lang="cs-CZ" dirty="0"/>
+              <a:t>ovládaná umělá dolní končetina</a:t>
             </a:r>
           </a:p>
         </p:txBody>
@@ -1587,7 +1618,7 @@
           <p:cNvPr id="5" name="Grafický objekt 4" descr="Přehrávač DVD">
             <a:extLst>
               <a:ext uri="{FF2B5EF4-FFF2-40B4-BE49-F238E27FC236}">
-                <a16:creationId xmlns:a16="http://schemas.microsoft.com/office/drawing/2014/main" id="{1C05C4EF-711C-4C62-92EC-A28B5A39F975}"/>
+                <a16:creationId xmlns:a16="http://schemas.microsoft.com/office/drawing/2014/main" xmlns="" id="{1C05C4EF-711C-4C62-92EC-A28B5A39F975}"/>
               </a:ext>
             </a:extLst>
           </p:cNvPr>
@@ -1597,13 +1628,13 @@
           <p:nvPr/>
         </p:nvPicPr>
         <p:blipFill>
-          <a:blip r:embed="rId2">
+          <a:blip r:embed="rId2" cstate="print">
             <a:extLst>
               <a:ext uri="{28A0092B-C50C-407E-A947-70E740481C1C}">
                 <a14:useLocalDpi xmlns:a14="http://schemas.microsoft.com/office/drawing/2010/main" val="0"/>
               </a:ext>
               <a:ext uri="{96DAC541-7B7A-43D3-8B79-37D633B846F1}">
-                <asvg:svgBlip xmlns:asvg="http://schemas.microsoft.com/office/drawing/2016/SVG/main" r:embed="rId3"/>
+                <asvg:svgBlip xmlns:asvg="http://schemas.microsoft.com/office/drawing/2016/SVG/main" xmlns="" r:embed="rId3"/>
               </a:ext>
             </a:extLst>
           </a:blip>
@@ -1626,7 +1657,7 @@
           <p:cNvPr id="6" name="Obrázek 5">
             <a:extLst>
               <a:ext uri="{FF2B5EF4-FFF2-40B4-BE49-F238E27FC236}">
-                <a16:creationId xmlns:a16="http://schemas.microsoft.com/office/drawing/2014/main" id="{440A1799-6A13-4A43-97E7-085A44D11EC7}"/>
+                <a16:creationId xmlns:a16="http://schemas.microsoft.com/office/drawing/2014/main" xmlns="" id="{440A1799-6A13-4A43-97E7-085A44D11EC7}"/>
               </a:ext>
             </a:extLst>
           </p:cNvPr>
@@ -1667,6 +1698,13 @@
   <p:clrMapOvr>
     <a:masterClrMapping/>
   </p:clrMapOvr>
+  <p:timing>
+    <p:tnLst>
+      <p:par>
+        <p:cTn id="1" dur="indefinite" restart="never" nodeType="tmRoot"/>
+      </p:par>
+    </p:tnLst>
+  </p:timing>
 </p:sld>
 </file>
 
@@ -1692,7 +1730,7 @@
           <p:cNvPr id="2" name="Nadpis 1">
             <a:extLst>
               <a:ext uri="{FF2B5EF4-FFF2-40B4-BE49-F238E27FC236}">
-                <a16:creationId xmlns:a16="http://schemas.microsoft.com/office/drawing/2014/main" id="{227AE72A-6128-4B44-9F6A-2C756BB849D9}"/>
+                <a16:creationId xmlns:a16="http://schemas.microsoft.com/office/drawing/2014/main" xmlns="" id="{227AE72A-6128-4B44-9F6A-2C756BB849D9}"/>
               </a:ext>
             </a:extLst>
           </p:cNvPr>
@@ -1728,7 +1766,7 @@
           <p:cNvPr id="3" name="Zástupný symbol pro obsah 2">
             <a:extLst>
               <a:ext uri="{FF2B5EF4-FFF2-40B4-BE49-F238E27FC236}">
-                <a16:creationId xmlns:a16="http://schemas.microsoft.com/office/drawing/2014/main" id="{DB240D0B-819A-4F36-BBEB-1F5FA397B0CD}"/>
+                <a16:creationId xmlns:a16="http://schemas.microsoft.com/office/drawing/2014/main" xmlns="" id="{DB240D0B-819A-4F36-BBEB-1F5FA397B0CD}"/>
               </a:ext>
             </a:extLst>
           </p:cNvPr>
@@ -1750,24 +1788,72 @@
           <a:lstStyle/>
           <a:p>
             <a:r>
-              <a:rPr lang="cs-CZ" dirty="0"/>
-              <a:t>Model </a:t>
-            </a:r>
-            <a:r>
-              <a:rPr lang="cs-CZ" dirty="0" err="1"/>
-              <a:t>driven</a:t>
-            </a:r>
-            <a:r>
-              <a:rPr lang="cs-CZ" dirty="0"/>
-              <a:t> </a:t>
-            </a:r>
-            <a:r>
-              <a:rPr lang="cs-CZ" dirty="0" err="1"/>
-              <a:t>developement</a:t>
-            </a:r>
-            <a:endParaRPr lang="cs-CZ" dirty="0"/>
-          </a:p>
-          <a:p>
+              <a:rPr lang="cs-CZ" dirty="0" smtClean="0"/>
+              <a:t>Model</a:t>
+            </a:r>
+            <a:r>
+              <a:rPr lang="en-US" dirty="0" smtClean="0"/>
+              <a:t>-Based </a:t>
+            </a:r>
+            <a:r>
+              <a:rPr lang="cs-CZ" dirty="0" smtClean="0"/>
+              <a:t>Design (Matlab/Simulink</a:t>
+            </a:r>
+            <a:r>
+              <a:rPr lang="cs-CZ" dirty="0"/>
+              <a:t>, JModelica, </a:t>
+            </a:r>
+            <a:r>
+              <a:rPr lang="cs-CZ" dirty="0" smtClean="0"/>
+              <a:t>Ptolemy)</a:t>
+            </a:r>
+            <a:endParaRPr lang="en-US" dirty="0" smtClean="0"/>
+          </a:p>
+          <a:p>
+            <a:pPr marL="342900" indent="-342900">
+              <a:buFont typeface="Arial" panose="020B0604020202020204" pitchFamily="34" charset="0"/>
+              <a:buChar char="•"/>
+            </a:pPr>
+            <a:r>
+              <a:rPr lang="cs-CZ" dirty="0"/>
+              <a:t>V centru dění stojí vždy model </a:t>
+            </a:r>
+            <a:r>
+              <a:rPr lang="cs-CZ" dirty="0" smtClean="0"/>
+              <a:t>systému</a:t>
+            </a:r>
+          </a:p>
+          <a:p>
+            <a:pPr marL="342900" indent="-342900">
+              <a:buFont typeface="Arial" panose="020B0604020202020204" pitchFamily="34" charset="0"/>
+              <a:buChar char="•"/>
+            </a:pPr>
+            <a:r>
+              <a:rPr lang="en-US" dirty="0" err="1" smtClean="0"/>
+              <a:t>Simulace</a:t>
+            </a:r>
+            <a:r>
+              <a:rPr lang="en-US" dirty="0" smtClean="0"/>
+              <a:t> a </a:t>
+            </a:r>
+            <a:r>
+              <a:rPr lang="en-US" dirty="0" err="1" smtClean="0"/>
+              <a:t>verifikace</a:t>
+            </a:r>
+            <a:r>
+              <a:rPr lang="en-US" dirty="0" smtClean="0"/>
+              <a:t> n</a:t>
+            </a:r>
+            <a:r>
+              <a:rPr lang="cs-CZ" dirty="0" smtClean="0"/>
+              <a:t>ávrhu už v raných  fázích</a:t>
+            </a:r>
+          </a:p>
+          <a:p>
+            <a:pPr marL="342900" indent="-342900">
+              <a:buFont typeface="Arial" panose="020B0604020202020204" pitchFamily="34" charset="0"/>
+              <a:buChar char="•"/>
+            </a:pPr>
             <a:endParaRPr lang="cs-CZ" dirty="0"/>
           </a:p>
         </p:txBody>
@@ -1777,7 +1863,7 @@
           <p:cNvPr id="8" name="Grafický objekt 7" descr="Síť">
             <a:extLst>
               <a:ext uri="{FF2B5EF4-FFF2-40B4-BE49-F238E27FC236}">
-                <a16:creationId xmlns:a16="http://schemas.microsoft.com/office/drawing/2014/main" id="{2C544BB0-C07E-478B-A808-F225DDA180B4}"/>
+                <a16:creationId xmlns:a16="http://schemas.microsoft.com/office/drawing/2014/main" xmlns="" id="{2C544BB0-C07E-478B-A808-F225DDA180B4}"/>
               </a:ext>
             </a:extLst>
           </p:cNvPr>
@@ -1787,13 +1873,13 @@
           <p:nvPr/>
         </p:nvPicPr>
         <p:blipFill>
-          <a:blip r:embed="rId2">
+          <a:blip r:embed="rId2" cstate="print">
             <a:extLst>
               <a:ext uri="{28A0092B-C50C-407E-A947-70E740481C1C}">
                 <a14:useLocalDpi xmlns:a14="http://schemas.microsoft.com/office/drawing/2010/main" val="0"/>
               </a:ext>
               <a:ext uri="{96DAC541-7B7A-43D3-8B79-37D633B846F1}">
-                <asvg:svgBlip xmlns:asvg="http://schemas.microsoft.com/office/drawing/2016/SVG/main" r:embed="rId3"/>
+                <asvg:svgBlip xmlns:asvg="http://schemas.microsoft.com/office/drawing/2016/SVG/main" xmlns="" r:embed="rId3"/>
               </a:ext>
             </a:extLst>
           </a:blip>
@@ -1805,6 +1891,36 @@
           <a:xfrm>
             <a:off x="165599" y="1429567"/>
             <a:ext cx="914400" cy="914400"/>
+          </a:xfrm>
+          <a:prstGeom prst="rect">
+            <a:avLst/>
+          </a:prstGeom>
+        </p:spPr>
+      </p:pic>
+      <p:pic>
+        <p:nvPicPr>
+          <p:cNvPr id="4" name="Picture 3"/>
+          <p:cNvPicPr>
+            <a:picLocks noChangeAspect="1"/>
+          </p:cNvPicPr>
+          <p:nvPr/>
+        </p:nvPicPr>
+        <p:blipFill>
+          <a:blip r:embed="rId4">
+            <a:extLst>
+              <a:ext uri="{28A0092B-C50C-407E-A947-70E740481C1C}">
+                <a14:useLocalDpi xmlns:a14="http://schemas.microsoft.com/office/drawing/2010/main" val="0"/>
+              </a:ext>
+            </a:extLst>
+          </a:blip>
+          <a:stretch>
+            <a:fillRect/>
+          </a:stretch>
+        </p:blipFill>
+        <p:spPr>
+          <a:xfrm>
+            <a:off x="3183210" y="4435846"/>
+            <a:ext cx="3587578" cy="1993099"/>
           </a:xfrm>
           <a:prstGeom prst="rect">
             <a:avLst/>
@@ -1821,6 +1937,13 @@
   <p:clrMapOvr>
     <a:masterClrMapping/>
   </p:clrMapOvr>
+  <p:timing>
+    <p:tnLst>
+      <p:par>
+        <p:cTn id="1" dur="indefinite" restart="never" nodeType="tmRoot"/>
+      </p:par>
+    </p:tnLst>
+  </p:timing>
 </p:sld>
 </file>
 
@@ -1846,7 +1969,7 @@
           <p:cNvPr id="2" name="Nadpis 1">
             <a:extLst>
               <a:ext uri="{FF2B5EF4-FFF2-40B4-BE49-F238E27FC236}">
-                <a16:creationId xmlns:a16="http://schemas.microsoft.com/office/drawing/2014/main" id="{227AE72A-6128-4B44-9F6A-2C756BB849D9}"/>
+                <a16:creationId xmlns:a16="http://schemas.microsoft.com/office/drawing/2014/main" xmlns="" id="{227AE72A-6128-4B44-9F6A-2C756BB849D9}"/>
               </a:ext>
             </a:extLst>
           </p:cNvPr>
@@ -1877,42 +2000,41 @@
           </a:p>
         </p:txBody>
       </p:sp>
-      <p:sp>
-        <p:nvSpPr>
-          <p:cNvPr id="3" name="Zástupný symbol pro obsah 2">
-            <a:extLst>
-              <a:ext uri="{FF2B5EF4-FFF2-40B4-BE49-F238E27FC236}">
-                <a16:creationId xmlns:a16="http://schemas.microsoft.com/office/drawing/2014/main" id="{DB240D0B-819A-4F36-BBEB-1F5FA397B0CD}"/>
-              </a:ext>
-            </a:extLst>
-          </p:cNvPr>
-          <p:cNvSpPr>
-            <a:spLocks noGrp="1"/>
-          </p:cNvSpPr>
+      <p:pic>
+        <p:nvPicPr>
+          <p:cNvPr id="5" name="Content Placeholder 4"/>
+          <p:cNvPicPr>
+            <a:picLocks noGrp="1" noChangeAspect="1"/>
+          </p:cNvPicPr>
           <p:nvPr>
             <p:ph idx="1"/>
           </p:nvPr>
-        </p:nvSpPr>
-        <p:spPr>
-          <a:xfrm>
-            <a:off x="1079999" y="3059766"/>
-            <a:ext cx="7794000" cy="3528000"/>
-          </a:xfrm>
-        </p:spPr>
-        <p:txBody>
-          <a:bodyPr/>
-          <a:lstStyle/>
-          <a:p>
-            <a:endParaRPr lang="cs-CZ" dirty="0"/>
-          </a:p>
-        </p:txBody>
-      </p:sp>
+        </p:nvPicPr>
+        <p:blipFill>
+          <a:blip r:embed="rId2">
+            <a:extLst>
+              <a:ext uri="{28A0092B-C50C-407E-A947-70E740481C1C}">
+                <a14:useLocalDpi xmlns:a14="http://schemas.microsoft.com/office/drawing/2010/main" val="0"/>
+              </a:ext>
+            </a:extLst>
+          </a:blip>
+          <a:stretch>
+            <a:fillRect/>
+          </a:stretch>
+        </p:blipFill>
+        <p:spPr>
+          <a:xfrm>
+            <a:off x="1232725" y="3059113"/>
+            <a:ext cx="6944478" cy="3529012"/>
+          </a:xfrm>
+        </p:spPr>
+      </p:pic>
       <p:pic>
         <p:nvPicPr>
           <p:cNvPr id="4" name="Grafický objekt 3" descr="Síť">
             <a:extLst>
               <a:ext uri="{FF2B5EF4-FFF2-40B4-BE49-F238E27FC236}">
-                <a16:creationId xmlns:a16="http://schemas.microsoft.com/office/drawing/2014/main" id="{A2C25B1F-BFDD-402A-9F5B-95FAF7C81B95}"/>
+                <a16:creationId xmlns:a16="http://schemas.microsoft.com/office/drawing/2014/main" xmlns="" id="{A2C25B1F-BFDD-402A-9F5B-95FAF7C81B95}"/>
               </a:ext>
             </a:extLst>
           </p:cNvPr>
@@ -1922,13 +2044,13 @@
           <p:nvPr/>
         </p:nvPicPr>
         <p:blipFill>
-          <a:blip r:embed="rId2">
+          <a:blip r:embed="rId3" cstate="print">
             <a:extLst>
               <a:ext uri="{28A0092B-C50C-407E-A947-70E740481C1C}">
                 <a14:useLocalDpi xmlns:a14="http://schemas.microsoft.com/office/drawing/2010/main" val="0"/>
               </a:ext>
               <a:ext uri="{96DAC541-7B7A-43D3-8B79-37D633B846F1}">
-                <asvg:svgBlip xmlns:asvg="http://schemas.microsoft.com/office/drawing/2016/SVG/main" r:embed="rId3"/>
+                <asvg:svgBlip xmlns:asvg="http://schemas.microsoft.com/office/drawing/2016/SVG/main" xmlns="" r:embed="rId4"/>
               </a:ext>
             </a:extLst>
           </a:blip>
@@ -1940,6 +2062,36 @@
           <a:xfrm>
             <a:off x="165599" y="1429567"/>
             <a:ext cx="914400" cy="914400"/>
+          </a:xfrm>
+          <a:prstGeom prst="rect">
+            <a:avLst/>
+          </a:prstGeom>
+        </p:spPr>
+      </p:pic>
+      <p:pic>
+        <p:nvPicPr>
+          <p:cNvPr id="6" name="Picture 5"/>
+          <p:cNvPicPr>
+            <a:picLocks noChangeAspect="1"/>
+          </p:cNvPicPr>
+          <p:nvPr/>
+        </p:nvPicPr>
+        <p:blipFill>
+          <a:blip r:embed="rId5" cstate="print">
+            <a:extLst>
+              <a:ext uri="{28A0092B-C50C-407E-A947-70E740481C1C}">
+                <a14:useLocalDpi xmlns:a14="http://schemas.microsoft.com/office/drawing/2010/main" val="0"/>
+              </a:ext>
+            </a:extLst>
+          </a:blip>
+          <a:stretch>
+            <a:fillRect/>
+          </a:stretch>
+        </p:blipFill>
+        <p:spPr>
+          <a:xfrm>
+            <a:off x="6178378" y="2629605"/>
+            <a:ext cx="2813985" cy="1846447"/>
           </a:xfrm>
           <a:prstGeom prst="rect">
             <a:avLst/>
@@ -1956,6 +2108,13 @@
   <p:clrMapOvr>
     <a:masterClrMapping/>
   </p:clrMapOvr>
+  <p:timing>
+    <p:tnLst>
+      <p:par>
+        <p:cTn id="1" dur="indefinite" restart="never" nodeType="tmRoot"/>
+      </p:par>
+    </p:tnLst>
+  </p:timing>
 </p:sld>
 </file>
 
@@ -1981,7 +2140,7 @@
           <p:cNvPr id="2" name="Nadpis 1">
             <a:extLst>
               <a:ext uri="{FF2B5EF4-FFF2-40B4-BE49-F238E27FC236}">
-                <a16:creationId xmlns:a16="http://schemas.microsoft.com/office/drawing/2014/main" id="{227AE72A-6128-4B44-9F6A-2C756BB849D9}"/>
+                <a16:creationId xmlns:a16="http://schemas.microsoft.com/office/drawing/2014/main" xmlns="" id="{227AE72A-6128-4B44-9F6A-2C756BB849D9}"/>
               </a:ext>
             </a:extLst>
           </p:cNvPr>
@@ -1999,59 +2158,25 @@
           <a:p>
             <a:r>
               <a:rPr lang="cs-CZ" dirty="0"/>
-              <a:t>Testování modelů (TLS)</a:t>
-            </a:r>
-          </a:p>
-        </p:txBody>
-      </p:sp>
-      <p:sp>
-        <p:nvSpPr>
-          <p:cNvPr id="3" name="Zástupný symbol pro obsah 2">
-            <a:extLst>
-              <a:ext uri="{FF2B5EF4-FFF2-40B4-BE49-F238E27FC236}">
-                <a16:creationId xmlns:a16="http://schemas.microsoft.com/office/drawing/2014/main" id="{DB240D0B-819A-4F36-BBEB-1F5FA397B0CD}"/>
-              </a:ext>
-            </a:extLst>
-          </p:cNvPr>
-          <p:cNvSpPr>
-            <a:spLocks noGrp="1"/>
-          </p:cNvSpPr>
-          <p:nvPr>
-            <p:ph idx="1"/>
-          </p:nvPr>
-        </p:nvSpPr>
-        <p:spPr>
-          <a:xfrm>
-            <a:off x="1079999" y="3059766"/>
-            <a:ext cx="7794000" cy="3528000"/>
-          </a:xfrm>
-        </p:spPr>
-        <p:txBody>
-          <a:bodyPr/>
-          <a:lstStyle/>
-          <a:p>
-            <a:r>
-              <a:rPr lang="cs-CZ" dirty="0"/>
-              <a:t>Definice</a:t>
-            </a:r>
-          </a:p>
-          <a:p>
-            <a:endParaRPr lang="cs-CZ" dirty="0"/>
-          </a:p>
-          <a:p>
-            <a:r>
-              <a:rPr lang="cs-CZ" dirty="0"/>
-              <a:t>Příklady</a:t>
+              <a:t>Příklady modelů </a:t>
+            </a:r>
+            <a:r>
+              <a:rPr lang="cs-CZ" dirty="0" err="1"/>
+              <a:t>Kyber</a:t>
+            </a:r>
+            <a:r>
+              <a:rPr lang="cs-CZ" dirty="0"/>
+              <a:t>-fyzikálních systémů</a:t>
             </a:r>
           </a:p>
         </p:txBody>
       </p:sp>
       <p:pic>
         <p:nvPicPr>
-          <p:cNvPr id="5" name="Zástupný symbol pro obsah 4" descr="Kontrolní seznam">
-            <a:extLst>
-              <a:ext uri="{FF2B5EF4-FFF2-40B4-BE49-F238E27FC236}">
-                <a16:creationId xmlns:a16="http://schemas.microsoft.com/office/drawing/2014/main" id="{03AE1425-0900-428C-B825-7FFFD5F58223}"/>
+          <p:cNvPr id="4" name="Grafický objekt 3" descr="Síť">
+            <a:extLst>
+              <a:ext uri="{FF2B5EF4-FFF2-40B4-BE49-F238E27FC236}">
+                <a16:creationId xmlns:a16="http://schemas.microsoft.com/office/drawing/2014/main" xmlns="" id="{A2C25B1F-BFDD-402A-9F5B-95FAF7C81B95}"/>
               </a:ext>
             </a:extLst>
           </p:cNvPr>
@@ -2061,13 +2186,13 @@
           <p:nvPr/>
         </p:nvPicPr>
         <p:blipFill>
-          <a:blip r:embed="rId2">
+          <a:blip r:embed="rId2" cstate="print">
             <a:extLst>
               <a:ext uri="{28A0092B-C50C-407E-A947-70E740481C1C}">
                 <a14:useLocalDpi xmlns:a14="http://schemas.microsoft.com/office/drawing/2010/main" val="0"/>
               </a:ext>
               <a:ext uri="{96DAC541-7B7A-43D3-8B79-37D633B846F1}">
-                <asvg:svgBlip xmlns:asvg="http://schemas.microsoft.com/office/drawing/2016/SVG/main" r:embed="rId3"/>
+                <asvg:svgBlip xmlns:asvg="http://schemas.microsoft.com/office/drawing/2016/SVG/main" xmlns="" r:embed="rId3"/>
               </a:ext>
             </a:extLst>
           </a:blip>
@@ -2077,7 +2202,7 @@
         </p:blipFill>
         <p:spPr>
           <a:xfrm>
-            <a:off x="165600" y="1342800"/>
+            <a:off x="165599" y="1429567"/>
             <a:ext cx="914400" cy="914400"/>
           </a:xfrm>
           <a:prstGeom prst="rect">
@@ -2085,16 +2210,82 @@
           </a:prstGeom>
         </p:spPr>
       </p:pic>
+      <p:pic>
+        <p:nvPicPr>
+          <p:cNvPr id="7" name="Content Placeholder 6"/>
+          <p:cNvPicPr>
+            <a:picLocks noGrp="1" noChangeAspect="1"/>
+          </p:cNvPicPr>
+          <p:nvPr>
+            <p:ph idx="1"/>
+          </p:nvPr>
+        </p:nvPicPr>
+        <p:blipFill>
+          <a:blip r:embed="rId4">
+            <a:extLst>
+              <a:ext uri="{28A0092B-C50C-407E-A947-70E740481C1C}">
+                <a14:useLocalDpi xmlns:a14="http://schemas.microsoft.com/office/drawing/2010/main" val="0"/>
+              </a:ext>
+            </a:extLst>
+          </a:blip>
+          <a:stretch>
+            <a:fillRect/>
+          </a:stretch>
+        </p:blipFill>
+        <p:spPr>
+          <a:xfrm>
+            <a:off x="2431365" y="3059113"/>
+            <a:ext cx="5090895" cy="3529012"/>
+          </a:xfrm>
+        </p:spPr>
+      </p:pic>
+      <p:sp>
+        <p:nvSpPr>
+          <p:cNvPr id="8" name="TextBox 7"/>
+          <p:cNvSpPr txBox="1"/>
+          <p:nvPr/>
+        </p:nvSpPr>
+        <p:spPr>
+          <a:xfrm>
+            <a:off x="2459937" y="2518602"/>
+            <a:ext cx="5033750" cy="369332"/>
+          </a:xfrm>
+          <a:prstGeom prst="rect">
+            <a:avLst/>
+          </a:prstGeom>
+          <a:noFill/>
+        </p:spPr>
+        <p:txBody>
+          <a:bodyPr wrap="none" rtlCol="0">
+            <a:spAutoFit/>
+          </a:bodyPr>
+          <a:lstStyle/>
+          <a:p>
+            <a:r>
+              <a:rPr lang="cs-CZ" dirty="0" smtClean="0"/>
+              <a:t>Electro-Mechanical Breaking system model</a:t>
+            </a:r>
+            <a:endParaRPr lang="en-US" dirty="0"/>
+          </a:p>
+        </p:txBody>
+      </p:sp>
     </p:spTree>
     <p:extLst>
       <p:ext uri="{BB962C8B-B14F-4D97-AF65-F5344CB8AC3E}">
-        <p14:creationId xmlns:p14="http://schemas.microsoft.com/office/powerpoint/2010/main" val="1536725085"/>
+        <p14:creationId xmlns:p14="http://schemas.microsoft.com/office/powerpoint/2010/main" val="3551383043"/>
       </p:ext>
     </p:extLst>
   </p:cSld>
   <p:clrMapOvr>
     <a:masterClrMapping/>
   </p:clrMapOvr>
+  <p:timing>
+    <p:tnLst>
+      <p:par>
+        <p:cTn id="1" dur="indefinite" restart="never" nodeType="tmRoot"/>
+      </p:par>
+    </p:tnLst>
+  </p:timing>
 </p:sld>
 </file>
 
@@ -2120,7 +2311,7 @@
           <p:cNvPr id="2" name="Nadpis 1">
             <a:extLst>
               <a:ext uri="{FF2B5EF4-FFF2-40B4-BE49-F238E27FC236}">
-                <a16:creationId xmlns:a16="http://schemas.microsoft.com/office/drawing/2014/main" id="{227AE72A-6128-4B44-9F6A-2C756BB849D9}"/>
+                <a16:creationId xmlns:a16="http://schemas.microsoft.com/office/drawing/2014/main" xmlns="" id="{227AE72A-6128-4B44-9F6A-2C756BB849D9}"/>
               </a:ext>
             </a:extLst>
           </p:cNvPr>
@@ -2138,8 +2329,13 @@
           <a:p>
             <a:r>
               <a:rPr lang="cs-CZ" dirty="0"/>
-              <a:t>Testování modelů (MTL)</a:t>
-            </a:r>
+              <a:t>Testování </a:t>
+            </a:r>
+            <a:r>
+              <a:rPr lang="cs-CZ" dirty="0" smtClean="0"/>
+              <a:t>modelů</a:t>
+            </a:r>
+            <a:endParaRPr lang="cs-CZ" dirty="0"/>
           </a:p>
         </p:txBody>
       </p:sp>
@@ -2148,7 +2344,7 @@
           <p:cNvPr id="3" name="Zástupný symbol pro obsah 2">
             <a:extLst>
               <a:ext uri="{FF2B5EF4-FFF2-40B4-BE49-F238E27FC236}">
-                <a16:creationId xmlns:a16="http://schemas.microsoft.com/office/drawing/2014/main" id="{DB240D0B-819A-4F36-BBEB-1F5FA397B0CD}"/>
+                <a16:creationId xmlns:a16="http://schemas.microsoft.com/office/drawing/2014/main" xmlns="" id="{DB240D0B-819A-4F36-BBEB-1F5FA397B0CD}"/>
               </a:ext>
             </a:extLst>
           </p:cNvPr>
@@ -2170,18 +2366,59 @@
           <a:lstStyle/>
           <a:p>
             <a:r>
-              <a:rPr lang="cs-CZ" dirty="0"/>
-              <a:t>Definice</a:t>
-            </a:r>
-          </a:p>
-          <a:p>
+              <a:rPr lang="cs-CZ" dirty="0" smtClean="0"/>
+              <a:t>Nástroje pro verifikaci modelů (iSAT-ODE, Flow*, S-Taliro)</a:t>
+            </a:r>
+          </a:p>
+          <a:p>
+            <a:pPr marL="342900" indent="-342900">
+              <a:buFont typeface="Arial" panose="020B0604020202020204" pitchFamily="34" charset="0"/>
+              <a:buChar char="•"/>
+            </a:pPr>
+            <a:r>
+              <a:rPr lang="cs-CZ" dirty="0" smtClean="0"/>
+              <a:t>Obecně je ověření bezpečnosti nerozhodnutelný problém</a:t>
+            </a:r>
+          </a:p>
+          <a:p>
+            <a:pPr marL="342900" indent="-342900">
+              <a:buFont typeface="Arial" panose="020B0604020202020204" pitchFamily="34" charset="0"/>
+              <a:buChar char="•"/>
+            </a:pPr>
+            <a:r>
+              <a:rPr lang="cs-CZ" dirty="0" smtClean="0"/>
+              <a:t>Existují výjimky, viz. </a:t>
+            </a:r>
+            <a:r>
+              <a:rPr lang="en-US" dirty="0"/>
+              <a:t>[</a:t>
+            </a:r>
+            <a:r>
+              <a:rPr lang="cs-CZ" dirty="0" smtClean="0"/>
+              <a:t>Stefan Ratschan 2013</a:t>
+            </a:r>
+            <a:r>
+              <a:rPr lang="en-US" dirty="0" smtClean="0"/>
+              <a:t>]</a:t>
+            </a:r>
             <a:endParaRPr lang="cs-CZ" dirty="0"/>
           </a:p>
           <a:p>
-            <a:r>
-              <a:rPr lang="cs-CZ" dirty="0"/>
-              <a:t>Příklady</a:t>
-            </a:r>
+            <a:pPr marL="342900" indent="-342900">
+              <a:buFont typeface="Arial" panose="020B0604020202020204" pitchFamily="34" charset="0"/>
+              <a:buChar char="•"/>
+            </a:pPr>
+            <a:r>
+              <a:rPr lang="cs-CZ" dirty="0" smtClean="0"/>
+              <a:t>Prohledávání obrovského stavového prostoru</a:t>
+            </a:r>
+          </a:p>
+          <a:p>
+            <a:pPr marL="342900" indent="-342900">
+              <a:buFont typeface="Arial" panose="020B0604020202020204" pitchFamily="34" charset="0"/>
+              <a:buChar char="•"/>
+            </a:pPr>
+            <a:endParaRPr lang="cs-CZ" dirty="0" smtClean="0"/>
           </a:p>
         </p:txBody>
       </p:sp>
@@ -2190,7 +2427,7 @@
           <p:cNvPr id="5" name="Zástupný symbol pro obsah 4" descr="Kontrolní seznam">
             <a:extLst>
               <a:ext uri="{FF2B5EF4-FFF2-40B4-BE49-F238E27FC236}">
-                <a16:creationId xmlns:a16="http://schemas.microsoft.com/office/drawing/2014/main" id="{03AE1425-0900-428C-B825-7FFFD5F58223}"/>
+                <a16:creationId xmlns:a16="http://schemas.microsoft.com/office/drawing/2014/main" xmlns="" id="{03AE1425-0900-428C-B825-7FFFD5F58223}"/>
               </a:ext>
             </a:extLst>
           </p:cNvPr>
@@ -2200,13 +2437,13 @@
           <p:nvPr/>
         </p:nvPicPr>
         <p:blipFill>
-          <a:blip r:embed="rId2">
+          <a:blip r:embed="rId2" cstate="print">
             <a:extLst>
               <a:ext uri="{28A0092B-C50C-407E-A947-70E740481C1C}">
                 <a14:useLocalDpi xmlns:a14="http://schemas.microsoft.com/office/drawing/2010/main" val="0"/>
               </a:ext>
               <a:ext uri="{96DAC541-7B7A-43D3-8B79-37D633B846F1}">
-                <asvg:svgBlip xmlns:asvg="http://schemas.microsoft.com/office/drawing/2016/SVG/main" r:embed="rId3"/>
+                <asvg:svgBlip xmlns:asvg="http://schemas.microsoft.com/office/drawing/2016/SVG/main" xmlns="" r:embed="rId3"/>
               </a:ext>
             </a:extLst>
           </a:blip>
@@ -2227,13 +2464,20 @@
     </p:spTree>
     <p:extLst>
       <p:ext uri="{BB962C8B-B14F-4D97-AF65-F5344CB8AC3E}">
-        <p14:creationId xmlns:p14="http://schemas.microsoft.com/office/powerpoint/2010/main" val="2238727566"/>
+        <p14:creationId xmlns:p14="http://schemas.microsoft.com/office/powerpoint/2010/main" val="1536725085"/>
       </p:ext>
     </p:extLst>
   </p:cSld>
   <p:clrMapOvr>
     <a:masterClrMapping/>
   </p:clrMapOvr>
+  <p:timing>
+    <p:tnLst>
+      <p:par>
+        <p:cTn id="1" dur="indefinite" restart="never" nodeType="tmRoot"/>
+      </p:par>
+    </p:tnLst>
+  </p:timing>
 </p:sld>
 </file>
 
@@ -2259,7 +2503,7 @@
           <p:cNvPr id="2" name="Nadpis 1">
             <a:extLst>
               <a:ext uri="{FF2B5EF4-FFF2-40B4-BE49-F238E27FC236}">
-                <a16:creationId xmlns:a16="http://schemas.microsoft.com/office/drawing/2014/main" id="{227AE72A-6128-4B44-9F6A-2C756BB849D9}"/>
+                <a16:creationId xmlns:a16="http://schemas.microsoft.com/office/drawing/2014/main" xmlns="" id="{227AE72A-6128-4B44-9F6A-2C756BB849D9}"/>
               </a:ext>
             </a:extLst>
           </p:cNvPr>
@@ -2277,23 +2521,7 @@
           <a:p>
             <a:r>
               <a:rPr lang="cs-CZ" dirty="0"/>
-              <a:t>S-</a:t>
-            </a:r>
-            <a:r>
-              <a:rPr lang="cs-CZ" dirty="0" err="1"/>
-              <a:t>Taliro</a:t>
-            </a:r>
-            <a:r>
-              <a:rPr lang="cs-CZ" dirty="0"/>
-              <a:t> </a:t>
-            </a:r>
-            <a:r>
-              <a:rPr lang="cs-CZ" dirty="0" err="1"/>
-              <a:t>tools</a:t>
-            </a:r>
-            <a:r>
-              <a:rPr lang="cs-CZ" dirty="0"/>
-              <a:t> (úvod)</a:t>
+              <a:t>Testování modelů (MTL)</a:t>
             </a:r>
           </a:p>
         </p:txBody>
@@ -2303,7 +2531,7 @@
           <p:cNvPr id="3" name="Zástupný symbol pro obsah 2">
             <a:extLst>
               <a:ext uri="{FF2B5EF4-FFF2-40B4-BE49-F238E27FC236}">
-                <a16:creationId xmlns:a16="http://schemas.microsoft.com/office/drawing/2014/main" id="{DB240D0B-819A-4F36-BBEB-1F5FA397B0CD}"/>
+                <a16:creationId xmlns:a16="http://schemas.microsoft.com/office/drawing/2014/main" xmlns="" id="{DB240D0B-819A-4F36-BBEB-1F5FA397B0CD}"/>
               </a:ext>
             </a:extLst>
           </p:cNvPr>
@@ -2325,27 +2553,72 @@
           <a:lstStyle/>
           <a:p>
             <a:r>
-              <a:rPr lang="cs-CZ" dirty="0"/>
-              <a:t>Definice</a:t>
-            </a:r>
-          </a:p>
-          <a:p>
+              <a:rPr lang="en-US" dirty="0"/>
+              <a:t>Metric Temporal Logic (MTL) </a:t>
+            </a:r>
+            <a:r>
+              <a:rPr lang="cs-CZ" dirty="0" smtClean="0"/>
+              <a:t>je odnož Linear Temporal Logic, postihující děje v reálném čase.</a:t>
+            </a:r>
             <a:endParaRPr lang="cs-CZ" dirty="0"/>
           </a:p>
           <a:p>
-            <a:r>
-              <a:rPr lang="cs-CZ" dirty="0"/>
-              <a:t>Příklady (video/manuál)</a:t>
-            </a:r>
+            <a:pPr marL="342900" indent="-342900">
+              <a:buFont typeface="Arial" panose="020B0604020202020204" pitchFamily="34" charset="0"/>
+              <a:buChar char="•"/>
+            </a:pPr>
+            <a:r>
+              <a:rPr lang="cs-CZ" dirty="0" smtClean="0"/>
+              <a:t>Nad MTL je možné zavést míru robustnosti</a:t>
+            </a:r>
+          </a:p>
+          <a:p>
+            <a:pPr marL="342900" indent="-342900">
+              <a:buFont typeface="Arial" panose="020B0604020202020204" pitchFamily="34" charset="0"/>
+              <a:buChar char="•"/>
+            </a:pPr>
+            <a:r>
+              <a:rPr lang="cs-CZ" dirty="0" smtClean="0"/>
+              <a:t>Robustnost lze použít jako vodítko</a:t>
+            </a:r>
+          </a:p>
+          <a:p>
+            <a:pPr marL="342900" indent="-342900">
+              <a:buFont typeface="Arial" panose="020B0604020202020204" pitchFamily="34" charset="0"/>
+              <a:buChar char="•"/>
+            </a:pPr>
+            <a:r>
+              <a:rPr lang="cs-CZ" dirty="0" smtClean="0"/>
+              <a:t>Problém verifikace modelu lze transformovat na problém nalezení negativního robustnosti </a:t>
+            </a:r>
+          </a:p>
+          <a:p>
+            <a:r>
+              <a:rPr lang="cs-CZ" dirty="0"/>
+              <a:t>	</a:t>
+            </a:r>
+            <a:r>
+              <a:rPr lang="cs-CZ" dirty="0" smtClean="0"/>
+              <a:t>-</a:t>
+            </a:r>
+            <a:r>
+              <a:rPr lang="en-US" dirty="0" smtClean="0"/>
+              <a:t>&gt; </a:t>
+            </a:r>
+            <a:r>
+              <a:rPr lang="cs-CZ" dirty="0" smtClean="0"/>
+              <a:t>porušení podmínek specifikace</a:t>
+            </a:r>
+            <a:endParaRPr lang="cs-CZ" dirty="0"/>
           </a:p>
         </p:txBody>
       </p:sp>
       <p:pic>
         <p:nvPicPr>
-          <p:cNvPr id="6" name="Zástupný symbol pro obsah 4" descr="Stoupající trend">
-            <a:extLst>
-              <a:ext uri="{FF2B5EF4-FFF2-40B4-BE49-F238E27FC236}">
-                <a16:creationId xmlns:a16="http://schemas.microsoft.com/office/drawing/2014/main" id="{0B404680-BD46-4C51-B5EE-F1DBA615D1C3}"/>
+          <p:cNvPr id="5" name="Zástupný symbol pro obsah 4" descr="Kontrolní seznam">
+            <a:extLst>
+              <a:ext uri="{FF2B5EF4-FFF2-40B4-BE49-F238E27FC236}">
+                <a16:creationId xmlns:a16="http://schemas.microsoft.com/office/drawing/2014/main" xmlns="" id="{03AE1425-0900-428C-B825-7FFFD5F58223}"/>
               </a:ext>
             </a:extLst>
           </p:cNvPr>
@@ -2355,13 +2628,13 @@
           <p:nvPr/>
         </p:nvPicPr>
         <p:blipFill>
-          <a:blip r:embed="rId2">
+          <a:blip r:embed="rId2" cstate="print">
             <a:extLst>
               <a:ext uri="{28A0092B-C50C-407E-A947-70E740481C1C}">
                 <a14:useLocalDpi xmlns:a14="http://schemas.microsoft.com/office/drawing/2010/main" val="0"/>
               </a:ext>
               <a:ext uri="{96DAC541-7B7A-43D3-8B79-37D633B846F1}">
-                <asvg:svgBlip xmlns:asvg="http://schemas.microsoft.com/office/drawing/2016/SVG/main" r:embed="rId3"/>
+                <asvg:svgBlip xmlns:asvg="http://schemas.microsoft.com/office/drawing/2016/SVG/main" xmlns="" r:embed="rId3"/>
               </a:ext>
             </a:extLst>
           </a:blip>
@@ -2371,7 +2644,7 @@
         </p:blipFill>
         <p:spPr>
           <a:xfrm>
-            <a:off x="165600" y="1429567"/>
+            <a:off x="165600" y="1342800"/>
             <a:ext cx="914400" cy="914400"/>
           </a:xfrm>
           <a:prstGeom prst="rect">
@@ -2382,13 +2655,20 @@
     </p:spTree>
     <p:extLst>
       <p:ext uri="{BB962C8B-B14F-4D97-AF65-F5344CB8AC3E}">
-        <p14:creationId xmlns:p14="http://schemas.microsoft.com/office/powerpoint/2010/main" val="330013582"/>
+        <p14:creationId xmlns:p14="http://schemas.microsoft.com/office/powerpoint/2010/main" val="2238727566"/>
       </p:ext>
     </p:extLst>
   </p:cSld>
   <p:clrMapOvr>
     <a:masterClrMapping/>
   </p:clrMapOvr>
+  <p:timing>
+    <p:tnLst>
+      <p:par>
+        <p:cTn id="1" dur="indefinite" restart="never" nodeType="tmRoot"/>
+      </p:par>
+    </p:tnLst>
+  </p:timing>
 </p:sld>
 </file>
 
@@ -2414,7 +2694,7 @@
           <p:cNvPr id="2" name="Nadpis 1">
             <a:extLst>
               <a:ext uri="{FF2B5EF4-FFF2-40B4-BE49-F238E27FC236}">
-                <a16:creationId xmlns:a16="http://schemas.microsoft.com/office/drawing/2014/main" id="{227AE72A-6128-4B44-9F6A-2C756BB849D9}"/>
+                <a16:creationId xmlns:a16="http://schemas.microsoft.com/office/drawing/2014/main" xmlns="" id="{227AE72A-6128-4B44-9F6A-2C756BB849D9}"/>
               </a:ext>
             </a:extLst>
           </p:cNvPr>
@@ -2432,32 +2712,13 @@
           <a:p>
             <a:r>
               <a:rPr lang="cs-CZ" dirty="0"/>
-              <a:t>S-</a:t>
-            </a:r>
-            <a:r>
-              <a:rPr lang="cs-CZ" dirty="0" err="1"/>
-              <a:t>Taliro</a:t>
-            </a:r>
-            <a:r>
-              <a:rPr lang="cs-CZ" dirty="0"/>
-              <a:t> </a:t>
-            </a:r>
-            <a:r>
-              <a:rPr lang="cs-CZ" dirty="0" err="1"/>
+              <a:t>S-Taliro </a:t>
+            </a:r>
+            <a:r>
+              <a:rPr lang="cs-CZ" dirty="0" smtClean="0"/>
               <a:t>tools</a:t>
             </a:r>
-            <a:r>
-              <a:rPr lang="cs-CZ" dirty="0"/>
-              <a:t> (</a:t>
-            </a:r>
-            <a:r>
-              <a:rPr lang="cs-CZ" dirty="0" err="1"/>
-              <a:t>principles</a:t>
-            </a:r>
-            <a:r>
-              <a:rPr lang="cs-CZ" dirty="0"/>
-              <a:t>)</a:t>
-            </a:r>
+            <a:endParaRPr lang="cs-CZ" dirty="0"/>
           </a:p>
         </p:txBody>
       </p:sp>
@@ -2466,7 +2727,7 @@
           <p:cNvPr id="3" name="Zástupný symbol pro obsah 2">
             <a:extLst>
               <a:ext uri="{FF2B5EF4-FFF2-40B4-BE49-F238E27FC236}">
-                <a16:creationId xmlns:a16="http://schemas.microsoft.com/office/drawing/2014/main" id="{DB240D0B-819A-4F36-BBEB-1F5FA397B0CD}"/>
+                <a16:creationId xmlns:a16="http://schemas.microsoft.com/office/drawing/2014/main" xmlns="" id="{DB240D0B-819A-4F36-BBEB-1F5FA397B0CD}"/>
               </a:ext>
             </a:extLst>
           </p:cNvPr>
@@ -2488,26 +2749,46 @@
           <a:lstStyle/>
           <a:p>
             <a:r>
-              <a:rPr lang="cs-CZ" dirty="0"/>
-              <a:t>Graf jak S-</a:t>
-            </a:r>
-            <a:r>
-              <a:rPr lang="cs-CZ" dirty="0" err="1"/>
-              <a:t>Taliro</a:t>
-            </a:r>
-            <a:r>
-              <a:rPr lang="cs-CZ" dirty="0"/>
-              <a:t> pracuje</a:t>
-            </a:r>
-          </a:p>
-          <a:p>
+              <a:rPr lang="cs-CZ" dirty="0" smtClean="0"/>
+              <a:t>Co to je?</a:t>
+            </a:r>
+          </a:p>
+          <a:p>
+            <a:pPr marL="342900" indent="-342900">
+              <a:buFont typeface="Arial" panose="020B0604020202020204" pitchFamily="34" charset="0"/>
+              <a:buChar char="•"/>
+            </a:pPr>
+            <a:r>
+              <a:rPr lang="cs-CZ" dirty="0" smtClean="0"/>
+              <a:t>Balíček do Matlabu, který umí na základě MTL spec. a modelu v Simulinku ověřit chování modelu</a:t>
+            </a:r>
+          </a:p>
+          <a:p>
+            <a:r>
+              <a:rPr lang="cs-CZ" dirty="0" smtClean="0"/>
+              <a:t>K čemu slouží?</a:t>
+            </a:r>
+          </a:p>
+          <a:p>
+            <a:pPr marL="342900" indent="-342900">
+              <a:buFont typeface="Arial" panose="020B0604020202020204" pitchFamily="34" charset="0"/>
+              <a:buChar char="•"/>
+            </a:pPr>
+            <a:r>
+              <a:rPr lang="cs-CZ" dirty="0" smtClean="0"/>
+              <a:t>Umí ověřit, že existuje situace, kdy je námi daná MTL specifikace porušena</a:t>
+            </a:r>
             <a:endParaRPr lang="cs-CZ" dirty="0"/>
           </a:p>
           <a:p>
-            <a:r>
-              <a:rPr lang="cs-CZ" dirty="0"/>
-              <a:t>Proč je tak těžké ověřit MTL specifikaci?</a:t>
-            </a:r>
+            <a:endParaRPr lang="cs-CZ" dirty="0" smtClean="0"/>
+          </a:p>
+          <a:p>
+            <a:r>
+              <a:rPr lang="cs-CZ" dirty="0" smtClean="0"/>
+              <a:t>Ukázka</a:t>
+            </a:r>
+            <a:endParaRPr lang="cs-CZ" dirty="0"/>
           </a:p>
         </p:txBody>
       </p:sp>
@@ -2516,7 +2797,7 @@
           <p:cNvPr id="6" name="Zástupný symbol pro obsah 4" descr="Stoupající trend">
             <a:extLst>
               <a:ext uri="{FF2B5EF4-FFF2-40B4-BE49-F238E27FC236}">
-                <a16:creationId xmlns:a16="http://schemas.microsoft.com/office/drawing/2014/main" id="{0B404680-BD46-4C51-B5EE-F1DBA615D1C3}"/>
+                <a16:creationId xmlns:a16="http://schemas.microsoft.com/office/drawing/2014/main" xmlns="" id="{0B404680-BD46-4C51-B5EE-F1DBA615D1C3}"/>
               </a:ext>
             </a:extLst>
           </p:cNvPr>
@@ -2526,13 +2807,13 @@
           <p:nvPr/>
         </p:nvPicPr>
         <p:blipFill>
-          <a:blip r:embed="rId2">
+          <a:blip r:embed="rId2" cstate="print">
             <a:extLst>
               <a:ext uri="{28A0092B-C50C-407E-A947-70E740481C1C}">
                 <a14:useLocalDpi xmlns:a14="http://schemas.microsoft.com/office/drawing/2010/main" val="0"/>
               </a:ext>
               <a:ext uri="{96DAC541-7B7A-43D3-8B79-37D633B846F1}">
-                <asvg:svgBlip xmlns:asvg="http://schemas.microsoft.com/office/drawing/2016/SVG/main" r:embed="rId3"/>
+                <asvg:svgBlip xmlns:asvg="http://schemas.microsoft.com/office/drawing/2016/SVG/main" xmlns="" r:embed="rId3"/>
               </a:ext>
             </a:extLst>
           </a:blip>
@@ -2553,13 +2834,20 @@
     </p:spTree>
     <p:extLst>
       <p:ext uri="{BB962C8B-B14F-4D97-AF65-F5344CB8AC3E}">
-        <p14:creationId xmlns:p14="http://schemas.microsoft.com/office/powerpoint/2010/main" val="3896376582"/>
+        <p14:creationId xmlns:p14="http://schemas.microsoft.com/office/powerpoint/2010/main" val="330013582"/>
       </p:ext>
     </p:extLst>
   </p:cSld>
   <p:clrMapOvr>
     <a:masterClrMapping/>
   </p:clrMapOvr>
+  <p:timing>
+    <p:tnLst>
+      <p:par>
+        <p:cTn id="1" dur="indefinite" restart="never" nodeType="tmRoot"/>
+      </p:par>
+    </p:tnLst>
+  </p:timing>
 </p:sld>
 </file>
 
@@ -2585,7 +2873,7 @@
           <p:cNvPr id="2" name="Nadpis 1">
             <a:extLst>
               <a:ext uri="{FF2B5EF4-FFF2-40B4-BE49-F238E27FC236}">
-                <a16:creationId xmlns:a16="http://schemas.microsoft.com/office/drawing/2014/main" id="{227AE72A-6128-4B44-9F6A-2C756BB849D9}"/>
+                <a16:creationId xmlns:a16="http://schemas.microsoft.com/office/drawing/2014/main" xmlns="" id="{227AE72A-6128-4B44-9F6A-2C756BB849D9}"/>
               </a:ext>
             </a:extLst>
           </p:cNvPr>
@@ -2603,95 +2891,51 @@
           <a:p>
             <a:r>
               <a:rPr lang="cs-CZ" dirty="0"/>
-              <a:t>S-</a:t>
-            </a:r>
-            <a:r>
-              <a:rPr lang="cs-CZ" dirty="0" err="1"/>
-              <a:t>Taliro</a:t>
-            </a:r>
-            <a:r>
-              <a:rPr lang="cs-CZ" dirty="0"/>
-              <a:t> </a:t>
-            </a:r>
-            <a:r>
-              <a:rPr lang="cs-CZ" dirty="0" err="1"/>
+              <a:t>S-Taliro </a:t>
+            </a:r>
+            <a:r>
+              <a:rPr lang="cs-CZ" dirty="0" smtClean="0"/>
               <a:t>tools</a:t>
             </a:r>
-            <a:r>
-              <a:rPr lang="cs-CZ" dirty="0"/>
-              <a:t> (</a:t>
-            </a:r>
-            <a:r>
-              <a:rPr lang="cs-CZ" dirty="0" err="1"/>
-              <a:t>benchmarks</a:t>
-            </a:r>
-            <a:r>
-              <a:rPr lang="cs-CZ" dirty="0"/>
-              <a:t>)</a:t>
-            </a:r>
-          </a:p>
-        </p:txBody>
-      </p:sp>
-      <p:sp>
-        <p:nvSpPr>
-          <p:cNvPr id="3" name="Zástupný symbol pro obsah 2">
-            <a:extLst>
-              <a:ext uri="{FF2B5EF4-FFF2-40B4-BE49-F238E27FC236}">
-                <a16:creationId xmlns:a16="http://schemas.microsoft.com/office/drawing/2014/main" id="{DB240D0B-819A-4F36-BBEB-1F5FA397B0CD}"/>
-              </a:ext>
-            </a:extLst>
-          </p:cNvPr>
-          <p:cNvSpPr>
-            <a:spLocks noGrp="1"/>
-          </p:cNvSpPr>
+            <a:endParaRPr lang="cs-CZ" dirty="0"/>
+          </a:p>
+        </p:txBody>
+      </p:sp>
+      <p:pic>
+        <p:nvPicPr>
+          <p:cNvPr id="4" name="Content Placeholder 3"/>
+          <p:cNvPicPr>
+            <a:picLocks noGrp="1" noChangeAspect="1"/>
+          </p:cNvPicPr>
           <p:nvPr>
             <p:ph idx="1"/>
           </p:nvPr>
-        </p:nvSpPr>
-        <p:spPr>
-          <a:xfrm>
-            <a:off x="1079999" y="3059766"/>
-            <a:ext cx="7794000" cy="3528000"/>
-          </a:xfrm>
-        </p:spPr>
-        <p:txBody>
-          <a:bodyPr/>
-          <a:lstStyle/>
-          <a:p>
-            <a:r>
-              <a:rPr lang="cs-CZ" dirty="0" err="1"/>
-              <a:t>Room</a:t>
-            </a:r>
-            <a:r>
-              <a:rPr lang="cs-CZ" dirty="0"/>
-              <a:t> </a:t>
-            </a:r>
-            <a:r>
-              <a:rPr lang="cs-CZ" dirty="0" err="1"/>
-              <a:t>heating</a:t>
-            </a:r>
-            <a:r>
-              <a:rPr lang="cs-CZ" dirty="0"/>
-              <a:t> model:</a:t>
-            </a:r>
-          </a:p>
-          <a:p>
-            <a:endParaRPr lang="cs-CZ" dirty="0"/>
-          </a:p>
-          <a:p>
-            <a:r>
-              <a:rPr lang="cs-CZ" dirty="0"/>
-              <a:t>Video/manuální ukázka?</a:t>
-            </a:r>
-          </a:p>
-        </p:txBody>
-      </p:sp>
+        </p:nvPicPr>
+        <p:blipFill>
+          <a:blip r:embed="rId2">
+            <a:extLst>
+              <a:ext uri="{28A0092B-C50C-407E-A947-70E740481C1C}">
+                <a14:useLocalDpi xmlns:a14="http://schemas.microsoft.com/office/drawing/2010/main" val="0"/>
+              </a:ext>
+            </a:extLst>
+          </a:blip>
+          <a:stretch>
+            <a:fillRect/>
+          </a:stretch>
+        </p:blipFill>
+        <p:spPr>
+          <a:xfrm>
+            <a:off x="1347502" y="3059113"/>
+            <a:ext cx="7258621" cy="3529012"/>
+          </a:xfrm>
+        </p:spPr>
+      </p:pic>
       <p:pic>
         <p:nvPicPr>
           <p:cNvPr id="6" name="Zástupný symbol pro obsah 4" descr="Stoupající trend">
             <a:extLst>
               <a:ext uri="{FF2B5EF4-FFF2-40B4-BE49-F238E27FC236}">
-                <a16:creationId xmlns:a16="http://schemas.microsoft.com/office/drawing/2014/main" id="{0B404680-BD46-4C51-B5EE-F1DBA615D1C3}"/>
+                <a16:creationId xmlns:a16="http://schemas.microsoft.com/office/drawing/2014/main" xmlns="" id="{0B404680-BD46-4C51-B5EE-F1DBA615D1C3}"/>
               </a:ext>
             </a:extLst>
           </p:cNvPr>
@@ -2701,13 +2945,13 @@
           <p:nvPr/>
         </p:nvPicPr>
         <p:blipFill>
-          <a:blip r:embed="rId2">
+          <a:blip r:embed="rId3" cstate="print">
             <a:extLst>
               <a:ext uri="{28A0092B-C50C-407E-A947-70E740481C1C}">
                 <a14:useLocalDpi xmlns:a14="http://schemas.microsoft.com/office/drawing/2010/main" val="0"/>
               </a:ext>
               <a:ext uri="{96DAC541-7B7A-43D3-8B79-37D633B846F1}">
-                <asvg:svgBlip xmlns:asvg="http://schemas.microsoft.com/office/drawing/2016/SVG/main" r:embed="rId3"/>
+                <asvg:svgBlip xmlns:asvg="http://schemas.microsoft.com/office/drawing/2016/SVG/main" xmlns="" r:embed="rId4"/>
               </a:ext>
             </a:extLst>
           </a:blip>
@@ -2725,16 +2969,72 @@
           </a:prstGeom>
         </p:spPr>
       </p:pic>
+      <p:sp>
+        <p:nvSpPr>
+          <p:cNvPr id="5" name="TextBox 4"/>
+          <p:cNvSpPr txBox="1"/>
+          <p:nvPr/>
+        </p:nvSpPr>
+        <p:spPr>
+          <a:xfrm>
+            <a:off x="1347502" y="2426269"/>
+            <a:ext cx="5323893" cy="923330"/>
+          </a:xfrm>
+          <a:prstGeom prst="rect">
+            <a:avLst/>
+          </a:prstGeom>
+          <a:noFill/>
+        </p:spPr>
+        <p:txBody>
+          <a:bodyPr wrap="none" rtlCol="0">
+            <a:spAutoFit/>
+          </a:bodyPr>
+          <a:lstStyle/>
+          <a:p>
+            <a:r>
+              <a:rPr lang="cs-CZ" dirty="0" smtClean="0"/>
+              <a:t>Algoritmy</a:t>
+            </a:r>
+          </a:p>
+          <a:p>
+            <a:pPr marL="285750" indent="-285750">
+              <a:buFont typeface="Arial" panose="020B0604020202020204" pitchFamily="34" charset="0"/>
+              <a:buChar char="•"/>
+            </a:pPr>
+            <a:r>
+              <a:rPr lang="cs-CZ" dirty="0" smtClean="0"/>
+              <a:t>Formula rewriting (pro monitoring běhu)</a:t>
+            </a:r>
+          </a:p>
+          <a:p>
+            <a:pPr marL="285750" indent="-285750">
+              <a:buFont typeface="Arial" panose="020B0604020202020204" pitchFamily="34" charset="0"/>
+              <a:buChar char="•"/>
+            </a:pPr>
+            <a:r>
+              <a:rPr lang="cs-CZ" dirty="0" smtClean="0"/>
+              <a:t>Dynamic programming (pro delší testování)</a:t>
+            </a:r>
+          </a:p>
+        </p:txBody>
+      </p:sp>
     </p:spTree>
     <p:extLst>
       <p:ext uri="{BB962C8B-B14F-4D97-AF65-F5344CB8AC3E}">
-        <p14:creationId xmlns:p14="http://schemas.microsoft.com/office/powerpoint/2010/main" val="2335145583"/>
+        <p14:creationId xmlns:p14="http://schemas.microsoft.com/office/powerpoint/2010/main" val="3896376582"/>
       </p:ext>
     </p:extLst>
   </p:cSld>
   <p:clrMapOvr>
     <a:masterClrMapping/>
   </p:clrMapOvr>
+  <p:timing>
+    <p:tnLst>
+      <p:par>
+        <p:cTn id="1" dur="indefinite" restart="never" nodeType="tmRoot"/>
+      </p:par>
+    </p:tnLst>
+  </p:timing>
 </p:sld>
 </file>
 
@@ -2760,7 +3060,7 @@
           <p:cNvPr id="2" name="Nadpis 1">
             <a:extLst>
               <a:ext uri="{FF2B5EF4-FFF2-40B4-BE49-F238E27FC236}">
-                <a16:creationId xmlns:a16="http://schemas.microsoft.com/office/drawing/2014/main" id="{227AE72A-6128-4B44-9F6A-2C756BB849D9}"/>
+                <a16:creationId xmlns:a16="http://schemas.microsoft.com/office/drawing/2014/main" xmlns="" id="{227AE72A-6128-4B44-9F6A-2C756BB849D9}"/>
               </a:ext>
             </a:extLst>
           </p:cNvPr>
@@ -2778,16 +3078,13 @@
           <a:p>
             <a:r>
               <a:rPr lang="cs-CZ" dirty="0"/>
-              <a:t>Můj výzkum (</a:t>
-            </a:r>
-            <a:r>
-              <a:rPr lang="cs-CZ" dirty="0" err="1"/>
-              <a:t>opportunities</a:t>
-            </a:r>
-            <a:r>
-              <a:rPr lang="cs-CZ" dirty="0"/>
-              <a:t>)</a:t>
-            </a:r>
+              <a:t>Můj </a:t>
+            </a:r>
+            <a:r>
+              <a:rPr lang="cs-CZ" dirty="0" smtClean="0"/>
+              <a:t>výzkum – Previous work</a:t>
+            </a:r>
+            <a:endParaRPr lang="cs-CZ" dirty="0"/>
           </a:p>
         </p:txBody>
       </p:sp>
@@ -2796,7 +3093,7 @@
           <p:cNvPr id="3" name="Zástupný symbol pro obsah 2">
             <a:extLst>
               <a:ext uri="{FF2B5EF4-FFF2-40B4-BE49-F238E27FC236}">
-                <a16:creationId xmlns:a16="http://schemas.microsoft.com/office/drawing/2014/main" id="{DB240D0B-819A-4F36-BBEB-1F5FA397B0CD}"/>
+                <a16:creationId xmlns:a16="http://schemas.microsoft.com/office/drawing/2014/main" xmlns="" id="{DB240D0B-819A-4F36-BBEB-1F5FA397B0CD}"/>
               </a:ext>
             </a:extLst>
           </p:cNvPr>
@@ -2814,20 +3111,70 @@
           </a:xfrm>
         </p:spPr>
         <p:txBody>
-          <a:bodyPr/>
+          <a:bodyPr>
+            <a:normAutofit/>
+          </a:bodyPr>
           <a:lstStyle/>
           <a:p>
             <a:r>
-              <a:rPr lang="cs-CZ" dirty="0"/>
-              <a:t>Black-box testing vs. </a:t>
-            </a:r>
-            <a:r>
-              <a:rPr lang="cs-CZ" dirty="0" err="1"/>
-              <a:t>White</a:t>
-            </a:r>
-            <a:r>
-              <a:rPr lang="cs-CZ" dirty="0"/>
-              <a:t>-box testing</a:t>
+              <a:rPr lang="cs-CZ" dirty="0" smtClean="0"/>
+              <a:t>S-Taliro</a:t>
+            </a:r>
+          </a:p>
+          <a:p>
+            <a:pPr marL="342900" indent="-342900">
+              <a:buFont typeface="Arial" panose="020B0604020202020204" pitchFamily="34" charset="0"/>
+              <a:buChar char="•"/>
+            </a:pPr>
+            <a:r>
+              <a:rPr lang="cs-CZ" dirty="0" smtClean="0"/>
+              <a:t>Testuje model pomocí black-box přístupu</a:t>
+            </a:r>
+          </a:p>
+          <a:p>
+            <a:pPr marL="342900" indent="-342900">
+              <a:buFont typeface="Arial" panose="020B0604020202020204" pitchFamily="34" charset="0"/>
+              <a:buChar char="•"/>
+            </a:pPr>
+            <a:r>
+              <a:rPr lang="cs-CZ" dirty="0" smtClean="0"/>
+              <a:t>Používá pouze Formula rewriting, Dynamic programming</a:t>
+            </a:r>
+          </a:p>
+          <a:p>
+            <a:pPr marL="342900" indent="-342900">
+              <a:buFont typeface="Arial" panose="020B0604020202020204" pitchFamily="34" charset="0"/>
+              <a:buChar char="•"/>
+            </a:pPr>
+            <a:r>
+              <a:rPr lang="cs-CZ" dirty="0" smtClean="0"/>
+              <a:t>Vyladěno na benchmark modelech, ale co modely z praxe?</a:t>
+            </a:r>
+          </a:p>
+          <a:p>
+            <a:endParaRPr lang="cs-CZ" dirty="0" smtClean="0"/>
+          </a:p>
+          <a:p>
+            <a:r>
+              <a:rPr lang="cs-CZ" dirty="0" smtClean="0"/>
+              <a:t>Analýza vnitřní struktury modelu 	     jednodušší verifikace</a:t>
+            </a:r>
+          </a:p>
+          <a:p>
+            <a:endParaRPr lang="cs-CZ" dirty="0" smtClean="0"/>
+          </a:p>
+          <a:p>
+            <a:r>
+              <a:rPr lang="cs-CZ" dirty="0" smtClean="0"/>
+              <a:t>Využít existující algoritmy pro </a:t>
+            </a:r>
+            <a:r>
+              <a:rPr lang="cs-CZ" dirty="0"/>
+              <a:t>testování a verifikaci na hybridních </a:t>
+            </a:r>
+            <a:r>
+              <a:rPr lang="cs-CZ" dirty="0" smtClean="0"/>
+              <a:t>modelech</a:t>
             </a:r>
           </a:p>
         </p:txBody>
@@ -2837,7 +3184,7 @@
           <p:cNvPr id="5" name="Grafický objekt 4" descr="Baňka">
             <a:extLst>
               <a:ext uri="{FF2B5EF4-FFF2-40B4-BE49-F238E27FC236}">
-                <a16:creationId xmlns:a16="http://schemas.microsoft.com/office/drawing/2014/main" id="{00D5900B-6AA4-46B5-8C77-8E22DA3963C1}"/>
+                <a16:creationId xmlns:a16="http://schemas.microsoft.com/office/drawing/2014/main" xmlns="" id="{00D5900B-6AA4-46B5-8C77-8E22DA3963C1}"/>
               </a:ext>
             </a:extLst>
           </p:cNvPr>
@@ -2847,13 +3194,13 @@
           <p:nvPr/>
         </p:nvPicPr>
         <p:blipFill>
-          <a:blip r:embed="rId2">
+          <a:blip r:embed="rId2" cstate="print">
             <a:extLst>
               <a:ext uri="{28A0092B-C50C-407E-A947-70E740481C1C}">
                 <a14:useLocalDpi xmlns:a14="http://schemas.microsoft.com/office/drawing/2010/main" val="0"/>
               </a:ext>
               <a:ext uri="{96DAC541-7B7A-43D3-8B79-37D633B846F1}">
-                <asvg:svgBlip xmlns:asvg="http://schemas.microsoft.com/office/drawing/2016/SVG/main" r:embed="rId3"/>
+                <asvg:svgBlip xmlns:asvg="http://schemas.microsoft.com/office/drawing/2016/SVG/main" xmlns="" r:embed="rId3"/>
               </a:ext>
             </a:extLst>
           </a:blip>
@@ -2871,6 +3218,54 @@
           </a:prstGeom>
         </p:spPr>
       </p:pic>
+      <p:sp>
+        <p:nvSpPr>
+          <p:cNvPr id="4" name="Right Arrow 3"/>
+          <p:cNvSpPr/>
+          <p:nvPr/>
+        </p:nvSpPr>
+        <p:spPr>
+          <a:xfrm>
+            <a:off x="5362833" y="5165125"/>
+            <a:ext cx="527222" cy="222421"/>
+          </a:xfrm>
+          <a:prstGeom prst="rightArrow">
+            <a:avLst/>
+          </a:prstGeom>
+          <a:solidFill>
+            <a:srgbClr val="C00000"/>
+          </a:solidFill>
+          <a:ln>
+            <a:solidFill>
+              <a:schemeClr val="tx1"/>
+            </a:solidFill>
+          </a:ln>
+        </p:spPr>
+        <p:style>
+          <a:lnRef idx="2">
+            <a:schemeClr val="accent1">
+              <a:shade val="50000"/>
+            </a:schemeClr>
+          </a:lnRef>
+          <a:fillRef idx="1">
+            <a:schemeClr val="accent1"/>
+          </a:fillRef>
+          <a:effectRef idx="0">
+            <a:schemeClr val="accent1"/>
+          </a:effectRef>
+          <a:fontRef idx="minor">
+            <a:schemeClr val="lt1"/>
+          </a:fontRef>
+        </p:style>
+        <p:txBody>
+          <a:bodyPr rtlCol="0" anchor="ctr"/>
+          <a:lstStyle/>
+          <a:p>
+            <a:pPr algn="ctr"/>
+            <a:endParaRPr lang="en-US"/>
+          </a:p>
+        </p:txBody>
+      </p:sp>
     </p:spTree>
     <p:extLst>
       <p:ext uri="{BB962C8B-B14F-4D97-AF65-F5344CB8AC3E}">
@@ -2881,6 +3276,13 @@
   <p:clrMapOvr>
     <a:masterClrMapping/>
   </p:clrMapOvr>
+  <p:timing>
+    <p:tnLst>
+      <p:par>
+        <p:cTn id="1" dur="indefinite" restart="never" nodeType="tmRoot"/>
+      </p:par>
+    </p:tnLst>
+  </p:timing>
 </p:sld>
 </file>
 
@@ -2906,7 +3308,7 @@
           <p:cNvPr id="2" name="Nadpis 1">
             <a:extLst>
               <a:ext uri="{FF2B5EF4-FFF2-40B4-BE49-F238E27FC236}">
-                <a16:creationId xmlns:a16="http://schemas.microsoft.com/office/drawing/2014/main" id="{227AE72A-6128-4B44-9F6A-2C756BB849D9}"/>
+                <a16:creationId xmlns:a16="http://schemas.microsoft.com/office/drawing/2014/main" xmlns="" id="{227AE72A-6128-4B44-9F6A-2C756BB849D9}"/>
               </a:ext>
             </a:extLst>
           </p:cNvPr>
@@ -2924,16 +3326,13 @@
           <a:p>
             <a:r>
               <a:rPr lang="cs-CZ" dirty="0"/>
-              <a:t>Můj výzkum (Jan </a:t>
-            </a:r>
-            <a:r>
-              <a:rPr lang="cs-CZ" dirty="0" err="1"/>
-              <a:t>Kacetl</a:t>
-            </a:r>
-            <a:r>
-              <a:rPr lang="cs-CZ" dirty="0"/>
-              <a:t>)</a:t>
-            </a:r>
+              <a:t>Můj </a:t>
+            </a:r>
+            <a:r>
+              <a:rPr lang="cs-CZ" dirty="0" smtClean="0"/>
+              <a:t>výzkum – Current work</a:t>
+            </a:r>
+            <a:endParaRPr lang="cs-CZ" dirty="0"/>
           </a:p>
         </p:txBody>
       </p:sp>
@@ -2942,7 +3341,7 @@
           <p:cNvPr id="3" name="Zástupný symbol pro obsah 2">
             <a:extLst>
               <a:ext uri="{FF2B5EF4-FFF2-40B4-BE49-F238E27FC236}">
-                <a16:creationId xmlns:a16="http://schemas.microsoft.com/office/drawing/2014/main" id="{DB240D0B-819A-4F36-BBEB-1F5FA397B0CD}"/>
+                <a16:creationId xmlns:a16="http://schemas.microsoft.com/office/drawing/2014/main" xmlns="" id="{DB240D0B-819A-4F36-BBEB-1F5FA397B0CD}"/>
               </a:ext>
             </a:extLst>
           </p:cNvPr>
@@ -2964,18 +3363,24 @@
           <a:lstStyle/>
           <a:p>
             <a:r>
-              <a:rPr lang="cs-CZ" dirty="0"/>
-              <a:t>Definice</a:t>
+              <a:rPr lang="en-US" dirty="0"/>
+              <a:t>MATHEMATICAL MODEL AND VALIDATION OF </a:t>
+            </a:r>
+            <a:r>
+              <a:rPr lang="en-US" dirty="0" smtClean="0"/>
+              <a:t>POWERTRAIN</a:t>
+            </a:r>
+            <a:endParaRPr lang="cs-CZ" dirty="0" smtClean="0"/>
+          </a:p>
+          <a:p>
+            <a:pPr algn="ctr"/>
+            <a:r>
+              <a:rPr lang="cs-CZ" dirty="0" smtClean="0"/>
+              <a:t>Jan Kacetl</a:t>
             </a:r>
           </a:p>
           <a:p>
             <a:endParaRPr lang="cs-CZ" dirty="0"/>
-          </a:p>
-          <a:p>
-            <a:r>
-              <a:rPr lang="cs-CZ" dirty="0"/>
-              <a:t>Příklad</a:t>
-            </a:r>
           </a:p>
         </p:txBody>
       </p:sp>
@@ -2984,7 +3389,7 @@
           <p:cNvPr id="5" name="Grafický objekt 4" descr="Baňka">
             <a:extLst>
               <a:ext uri="{FF2B5EF4-FFF2-40B4-BE49-F238E27FC236}">
-                <a16:creationId xmlns:a16="http://schemas.microsoft.com/office/drawing/2014/main" id="{00D5900B-6AA4-46B5-8C77-8E22DA3963C1}"/>
+                <a16:creationId xmlns:a16="http://schemas.microsoft.com/office/drawing/2014/main" xmlns="" id="{00D5900B-6AA4-46B5-8C77-8E22DA3963C1}"/>
               </a:ext>
             </a:extLst>
           </p:cNvPr>
@@ -2994,13 +3399,13 @@
           <p:nvPr/>
         </p:nvPicPr>
         <p:blipFill>
-          <a:blip r:embed="rId2">
+          <a:blip r:embed="rId2" cstate="print">
             <a:extLst>
               <a:ext uri="{28A0092B-C50C-407E-A947-70E740481C1C}">
                 <a14:useLocalDpi xmlns:a14="http://schemas.microsoft.com/office/drawing/2010/main" val="0"/>
               </a:ext>
               <a:ext uri="{96DAC541-7B7A-43D3-8B79-37D633B846F1}">
-                <asvg:svgBlip xmlns:asvg="http://schemas.microsoft.com/office/drawing/2016/SVG/main" r:embed="rId3"/>
+                <asvg:svgBlip xmlns:asvg="http://schemas.microsoft.com/office/drawing/2016/SVG/main" xmlns="" r:embed="rId3"/>
               </a:ext>
             </a:extLst>
           </a:blip>
@@ -3012,6 +3417,66 @@
           <a:xfrm>
             <a:off x="165599" y="1427470"/>
             <a:ext cx="914400" cy="914400"/>
+          </a:xfrm>
+          <a:prstGeom prst="rect">
+            <a:avLst/>
+          </a:prstGeom>
+        </p:spPr>
+      </p:pic>
+      <p:pic>
+        <p:nvPicPr>
+          <p:cNvPr id="4" name="Picture 3"/>
+          <p:cNvPicPr>
+            <a:picLocks noChangeAspect="1"/>
+          </p:cNvPicPr>
+          <p:nvPr/>
+        </p:nvPicPr>
+        <p:blipFill>
+          <a:blip r:embed="rId4" cstate="print">
+            <a:extLst>
+              <a:ext uri="{28A0092B-C50C-407E-A947-70E740481C1C}">
+                <a14:useLocalDpi xmlns:a14="http://schemas.microsoft.com/office/drawing/2010/main" val="0"/>
+              </a:ext>
+            </a:extLst>
+          </a:blip>
+          <a:stretch>
+            <a:fillRect/>
+          </a:stretch>
+        </p:blipFill>
+        <p:spPr>
+          <a:xfrm>
+            <a:off x="2567928" y="4183682"/>
+            <a:ext cx="6306071" cy="2404084"/>
+          </a:xfrm>
+          <a:prstGeom prst="rect">
+            <a:avLst/>
+          </a:prstGeom>
+        </p:spPr>
+      </p:pic>
+      <p:pic>
+        <p:nvPicPr>
+          <p:cNvPr id="6" name="Picture 5"/>
+          <p:cNvPicPr>
+            <a:picLocks noChangeAspect="1"/>
+          </p:cNvPicPr>
+          <p:nvPr/>
+        </p:nvPicPr>
+        <p:blipFill>
+          <a:blip r:embed="rId5" cstate="print">
+            <a:extLst>
+              <a:ext uri="{28A0092B-C50C-407E-A947-70E740481C1C}">
+                <a14:useLocalDpi xmlns:a14="http://schemas.microsoft.com/office/drawing/2010/main" val="0"/>
+              </a:ext>
+            </a:extLst>
+          </a:blip>
+          <a:stretch>
+            <a:fillRect/>
+          </a:stretch>
+        </p:blipFill>
+        <p:spPr>
+          <a:xfrm>
+            <a:off x="6195207" y="402677"/>
+            <a:ext cx="2678792" cy="1939193"/>
           </a:xfrm>
           <a:prstGeom prst="rect">
             <a:avLst/>
@@ -3028,6 +3493,13 @@
   <p:clrMapOvr>
     <a:masterClrMapping/>
   </p:clrMapOvr>
+  <p:timing>
+    <p:tnLst>
+      <p:par>
+        <p:cTn id="1" dur="indefinite" restart="never" nodeType="tmRoot"/>
+      </p:par>
+    </p:tnLst>
+  </p:timing>
 </p:sld>
 </file>
 
@@ -3053,7 +3525,7 @@
           <p:cNvPr id="2" name="Zástupný symbol pro obsah 1">
             <a:extLst>
               <a:ext uri="{FF2B5EF4-FFF2-40B4-BE49-F238E27FC236}">
-                <a16:creationId xmlns:a16="http://schemas.microsoft.com/office/drawing/2014/main" id="{38D2872A-348D-4FC4-A4C9-A0630D9AADC5}"/>
+                <a16:creationId xmlns:a16="http://schemas.microsoft.com/office/drawing/2014/main" xmlns="" id="{38D2872A-348D-4FC4-A4C9-A0630D9AADC5}"/>
               </a:ext>
             </a:extLst>
           </p:cNvPr>
@@ -3091,7 +3563,7 @@
           <p:cNvPr id="6" name="Přímá spojnice 5">
             <a:extLst>
               <a:ext uri="{FF2B5EF4-FFF2-40B4-BE49-F238E27FC236}">
-                <a16:creationId xmlns:a16="http://schemas.microsoft.com/office/drawing/2014/main" id="{C00B4120-CE34-460D-B41C-B980E7CAA7DF}"/>
+                <a16:creationId xmlns:a16="http://schemas.microsoft.com/office/drawing/2014/main" xmlns="" id="{C00B4120-CE34-460D-B41C-B980E7CAA7DF}"/>
               </a:ext>
             </a:extLst>
           </p:cNvPr>
@@ -3129,7 +3601,7 @@
           <p:cNvPr id="8" name="Přímá spojnice 7">
             <a:extLst>
               <a:ext uri="{FF2B5EF4-FFF2-40B4-BE49-F238E27FC236}">
-                <a16:creationId xmlns:a16="http://schemas.microsoft.com/office/drawing/2014/main" id="{41B4BAC9-0B87-442E-9FC0-C3EAF57133F5}"/>
+                <a16:creationId xmlns:a16="http://schemas.microsoft.com/office/drawing/2014/main" xmlns="" id="{41B4BAC9-0B87-442E-9FC0-C3EAF57133F5}"/>
               </a:ext>
             </a:extLst>
           </p:cNvPr>
@@ -3167,7 +3639,7 @@
           <p:cNvPr id="9" name="Obdélník: se zakulacenými rohy 8">
             <a:extLst>
               <a:ext uri="{FF2B5EF4-FFF2-40B4-BE49-F238E27FC236}">
-                <a16:creationId xmlns:a16="http://schemas.microsoft.com/office/drawing/2014/main" id="{ACFA2358-7056-49E0-9EB7-A0E30582992E}"/>
+                <a16:creationId xmlns:a16="http://schemas.microsoft.com/office/drawing/2014/main" xmlns="" id="{ACFA2358-7056-49E0-9EB7-A0E30582992E}"/>
               </a:ext>
             </a:extLst>
           </p:cNvPr>
@@ -3224,7 +3696,7 @@
           <p:cNvPr id="10" name="Obdélník: se zakulacenými rohy 9">
             <a:extLst>
               <a:ext uri="{FF2B5EF4-FFF2-40B4-BE49-F238E27FC236}">
-                <a16:creationId xmlns:a16="http://schemas.microsoft.com/office/drawing/2014/main" id="{5D0D7022-0B0F-4998-BF40-F08602C1B2AD}"/>
+                <a16:creationId xmlns:a16="http://schemas.microsoft.com/office/drawing/2014/main" xmlns="" id="{5D0D7022-0B0F-4998-BF40-F08602C1B2AD}"/>
               </a:ext>
             </a:extLst>
           </p:cNvPr>
@@ -3281,7 +3753,7 @@
           <p:cNvPr id="11" name="Obdélník: se zakulacenými rohy 10">
             <a:extLst>
               <a:ext uri="{FF2B5EF4-FFF2-40B4-BE49-F238E27FC236}">
-                <a16:creationId xmlns:a16="http://schemas.microsoft.com/office/drawing/2014/main" id="{0222D548-00BB-4EC9-BC0B-13038060C65B}"/>
+                <a16:creationId xmlns:a16="http://schemas.microsoft.com/office/drawing/2014/main" xmlns="" id="{0222D548-00BB-4EC9-BC0B-13038060C65B}"/>
               </a:ext>
             </a:extLst>
           </p:cNvPr>
@@ -3330,7 +3802,7 @@
           <p:cNvPr id="12" name="Obdélník: se zakulacenými rohy 11">
             <a:extLst>
               <a:ext uri="{FF2B5EF4-FFF2-40B4-BE49-F238E27FC236}">
-                <a16:creationId xmlns:a16="http://schemas.microsoft.com/office/drawing/2014/main" id="{24D7F7B2-DB70-4DBF-9D0D-81572E91D3B0}"/>
+                <a16:creationId xmlns:a16="http://schemas.microsoft.com/office/drawing/2014/main" xmlns="" id="{24D7F7B2-DB70-4DBF-9D0D-81572E91D3B0}"/>
               </a:ext>
             </a:extLst>
           </p:cNvPr>
@@ -3392,7 +3864,7 @@
           <p:cNvPr id="13" name="Obdélník: se zakulacenými rohy 12">
             <a:extLst>
               <a:ext uri="{FF2B5EF4-FFF2-40B4-BE49-F238E27FC236}">
-                <a16:creationId xmlns:a16="http://schemas.microsoft.com/office/drawing/2014/main" id="{B8204A82-6FE1-4AB1-936A-E4A85C687DC0}"/>
+                <a16:creationId xmlns:a16="http://schemas.microsoft.com/office/drawing/2014/main" xmlns="" id="{B8204A82-6FE1-4AB1-936A-E4A85C687DC0}"/>
               </a:ext>
             </a:extLst>
           </p:cNvPr>
@@ -3444,6 +3916,13 @@
   <p:clrMapOvr>
     <a:masterClrMapping/>
   </p:clrMapOvr>
+  <p:timing>
+    <p:tnLst>
+      <p:par>
+        <p:cTn id="1" dur="indefinite" restart="never" nodeType="tmRoot"/>
+      </p:par>
+    </p:tnLst>
+  </p:timing>
 </p:sld>
 </file>
 
@@ -3469,7 +3948,7 @@
           <p:cNvPr id="2" name="Nadpis 1">
             <a:extLst>
               <a:ext uri="{FF2B5EF4-FFF2-40B4-BE49-F238E27FC236}">
-                <a16:creationId xmlns:a16="http://schemas.microsoft.com/office/drawing/2014/main" id="{227AE72A-6128-4B44-9F6A-2C756BB849D9}"/>
+                <a16:creationId xmlns:a16="http://schemas.microsoft.com/office/drawing/2014/main" xmlns="" id="{227AE72A-6128-4B44-9F6A-2C756BB849D9}"/>
               </a:ext>
             </a:extLst>
           </p:cNvPr>
@@ -3487,24 +3966,13 @@
           <a:p>
             <a:r>
               <a:rPr lang="cs-CZ" dirty="0"/>
-              <a:t>Můj výzkum (</a:t>
-            </a:r>
-            <a:r>
-              <a:rPr lang="cs-CZ" dirty="0" err="1"/>
-              <a:t>future</a:t>
-            </a:r>
-            <a:r>
-              <a:rPr lang="cs-CZ" dirty="0"/>
-              <a:t> </a:t>
-            </a:r>
-            <a:r>
-              <a:rPr lang="cs-CZ" dirty="0" err="1"/>
-              <a:t>work</a:t>
-            </a:r>
-            <a:r>
-              <a:rPr lang="cs-CZ" dirty="0"/>
-              <a:t>)</a:t>
-            </a:r>
+              <a:t>Můj výzkum </a:t>
+            </a:r>
+            <a:r>
+              <a:rPr lang="cs-CZ" dirty="0" smtClean="0"/>
+              <a:t>– Future work</a:t>
+            </a:r>
+            <a:endParaRPr lang="cs-CZ" dirty="0"/>
           </a:p>
         </p:txBody>
       </p:sp>
@@ -3513,7 +3981,7 @@
           <p:cNvPr id="3" name="Zástupný symbol pro obsah 2">
             <a:extLst>
               <a:ext uri="{FF2B5EF4-FFF2-40B4-BE49-F238E27FC236}">
-                <a16:creationId xmlns:a16="http://schemas.microsoft.com/office/drawing/2014/main" id="{DB240D0B-819A-4F36-BBEB-1F5FA397B0CD}"/>
+                <a16:creationId xmlns:a16="http://schemas.microsoft.com/office/drawing/2014/main" xmlns="" id="{DB240D0B-819A-4F36-BBEB-1F5FA397B0CD}"/>
               </a:ext>
             </a:extLst>
           </p:cNvPr>
@@ -3539,8 +4007,8 @@
               <a:buAutoNum type="arabicPeriod"/>
             </a:pPr>
             <a:r>
-              <a:rPr lang="cs-CZ" dirty="0" err="1"/>
-              <a:t>Fdsfsdf</a:t>
+              <a:rPr lang="cs-CZ" dirty="0" smtClean="0"/>
+              <a:t>Model, nad kterým S-Taliro nefunguje (Kacetl + MTL)</a:t>
             </a:r>
             <a:endParaRPr lang="cs-CZ" dirty="0"/>
           </a:p>
@@ -3550,10 +4018,9 @@
               <a:buAutoNum type="arabicPeriod"/>
             </a:pPr>
             <a:r>
-              <a:rPr lang="cs-CZ" dirty="0" err="1"/>
-              <a:t>Sfdsfsdf</a:t>
-            </a:r>
-            <a:endParaRPr lang="cs-CZ" dirty="0"/>
+              <a:rPr lang="cs-CZ" dirty="0" smtClean="0"/>
+              <a:t>Navrhnout jiný/lepší přístup k verifikaci (white-box)</a:t>
+            </a:r>
           </a:p>
           <a:p>
             <a:pPr marL="457200" indent="-457200">
@@ -3561,10 +4028,9 @@
               <a:buAutoNum type="arabicPeriod"/>
             </a:pPr>
             <a:r>
-              <a:rPr lang="cs-CZ" dirty="0" err="1"/>
-              <a:t>Fdsdfsd</a:t>
-            </a:r>
-            <a:endParaRPr lang="cs-CZ" dirty="0"/>
+              <a:rPr lang="cs-CZ" dirty="0" smtClean="0"/>
+              <a:t>Napsat článek</a:t>
+            </a:r>
           </a:p>
           <a:p>
             <a:pPr marL="457200" indent="-457200">
@@ -3572,10 +4038,9 @@
               <a:buAutoNum type="arabicPeriod"/>
             </a:pPr>
             <a:r>
-              <a:rPr lang="cs-CZ" dirty="0" err="1"/>
-              <a:t>Sdfsdfs</a:t>
-            </a:r>
-            <a:endParaRPr lang="cs-CZ" dirty="0"/>
+              <a:rPr lang="cs-CZ" dirty="0" smtClean="0"/>
+              <a:t>Získat/navrhnout další modely (spolupráce s průmyslem)</a:t>
+            </a:r>
           </a:p>
           <a:p>
             <a:pPr marL="457200" indent="-457200">
@@ -3583,10 +4048,35 @@
               <a:buAutoNum type="arabicPeriod"/>
             </a:pPr>
             <a:r>
-              <a:rPr lang="cs-CZ" dirty="0" err="1"/>
-              <a:t>Sdfsdfs</a:t>
-            </a:r>
-            <a:endParaRPr lang="cs-CZ" dirty="0"/>
+              <a:rPr lang="cs-CZ" dirty="0" smtClean="0"/>
+              <a:t>Experimenty s novým přístupem, vylepšení/změna přístupu</a:t>
+            </a:r>
+          </a:p>
+          <a:p>
+            <a:pPr marL="457200" indent="-457200">
+              <a:buFont typeface="+mj-lt"/>
+              <a:buAutoNum type="arabicPeriod"/>
+            </a:pPr>
+            <a:r>
+              <a:rPr lang="cs-CZ" dirty="0" smtClean="0"/>
+              <a:t>Napsat článek</a:t>
+            </a:r>
+          </a:p>
+          <a:p>
+            <a:endParaRPr lang="cs-CZ" dirty="0" smtClean="0"/>
+          </a:p>
+          <a:p>
+            <a:r>
+              <a:rPr lang="cs-CZ" dirty="0" smtClean="0"/>
+              <a:t>Prof. Li Qiu – </a:t>
+            </a:r>
+            <a:r>
+              <a:rPr lang="cs-CZ" dirty="0" smtClean="0">
+                <a:hlinkClick r:id="rId2"/>
+              </a:rPr>
+              <a:t>výzkumná skupina na HKUST</a:t>
+            </a:r>
+            <a:endParaRPr lang="cs-CZ" dirty="0" smtClean="0"/>
           </a:p>
           <a:p>
             <a:pPr marL="457200" indent="-457200">
@@ -3602,7 +4092,7 @@
           <p:cNvPr id="5" name="Grafický objekt 4" descr="Baňka">
             <a:extLst>
               <a:ext uri="{FF2B5EF4-FFF2-40B4-BE49-F238E27FC236}">
-                <a16:creationId xmlns:a16="http://schemas.microsoft.com/office/drawing/2014/main" id="{00D5900B-6AA4-46B5-8C77-8E22DA3963C1}"/>
+                <a16:creationId xmlns:a16="http://schemas.microsoft.com/office/drawing/2014/main" xmlns="" id="{00D5900B-6AA4-46B5-8C77-8E22DA3963C1}"/>
               </a:ext>
             </a:extLst>
           </p:cNvPr>
@@ -3612,13 +4102,13 @@
           <p:nvPr/>
         </p:nvPicPr>
         <p:blipFill>
-          <a:blip r:embed="rId2">
+          <a:blip r:embed="rId3" cstate="print">
             <a:extLst>
               <a:ext uri="{28A0092B-C50C-407E-A947-70E740481C1C}">
                 <a14:useLocalDpi xmlns:a14="http://schemas.microsoft.com/office/drawing/2010/main" val="0"/>
               </a:ext>
               <a:ext uri="{96DAC541-7B7A-43D3-8B79-37D633B846F1}">
-                <asvg:svgBlip xmlns:asvg="http://schemas.microsoft.com/office/drawing/2016/SVG/main" r:embed="rId3"/>
+                <asvg:svgBlip xmlns:asvg="http://schemas.microsoft.com/office/drawing/2016/SVG/main" xmlns="" r:embed="rId4"/>
               </a:ext>
             </a:extLst>
           </a:blip>
@@ -3646,6 +4136,13 @@
   <p:clrMapOvr>
     <a:masterClrMapping/>
   </p:clrMapOvr>
+  <p:timing>
+    <p:tnLst>
+      <p:par>
+        <p:cTn id="1" dur="indefinite" restart="never" nodeType="tmRoot"/>
+      </p:par>
+    </p:tnLst>
+  </p:timing>
 </p:sld>
 </file>
 
@@ -3671,7 +4168,7 @@
           <p:cNvPr id="2" name="Nadpis 1">
             <a:extLst>
               <a:ext uri="{FF2B5EF4-FFF2-40B4-BE49-F238E27FC236}">
-                <a16:creationId xmlns:a16="http://schemas.microsoft.com/office/drawing/2014/main" id="{E081B52C-DD40-471F-95B8-93DC30607D4F}"/>
+                <a16:creationId xmlns:a16="http://schemas.microsoft.com/office/drawing/2014/main" xmlns="" id="{E081B52C-DD40-471F-95B8-93DC30607D4F}"/>
               </a:ext>
             </a:extLst>
           </p:cNvPr>
@@ -3690,8 +4187,9 @@
             <a:pPr algn="ctr"/>
             <a:r>
               <a:rPr lang="cs-CZ" dirty="0"/>
-              <a:t>Konec části I.</a:t>
-            </a:r>
+              <a:t>Děkuji za pozornost</a:t>
+            </a:r>
+            <a:endParaRPr lang="cs-CZ" dirty="0"/>
           </a:p>
         </p:txBody>
       </p:sp>
@@ -3700,7 +4198,7 @@
           <p:cNvPr id="3" name="Podnadpis 2">
             <a:extLst>
               <a:ext uri="{FF2B5EF4-FFF2-40B4-BE49-F238E27FC236}">
-                <a16:creationId xmlns:a16="http://schemas.microsoft.com/office/drawing/2014/main" id="{C4658D4A-355F-428E-83F7-CA2062E8C356}"/>
+                <a16:creationId xmlns:a16="http://schemas.microsoft.com/office/drawing/2014/main" xmlns="" id="{C4658D4A-355F-428E-83F7-CA2062E8C356}"/>
               </a:ext>
             </a:extLst>
           </p:cNvPr>
@@ -3718,16 +4216,10 @@
           <a:p>
             <a:pPr algn="ctr"/>
             <a:r>
-              <a:rPr lang="cs-CZ" sz="3200" dirty="0"/>
-              <a:t>Děkuji za pozornost</a:t>
-            </a:r>
-          </a:p>
-          <a:p>
-            <a:pPr algn="ctr"/>
-            <a:r>
-              <a:rPr lang="cs-CZ" sz="2800" dirty="0"/>
-              <a:t>Dotazy?</a:t>
-            </a:r>
+              <a:rPr lang="cs-CZ" sz="3200" dirty="0" smtClean="0"/>
+              <a:t>Prostor pro diskuzi</a:t>
+            </a:r>
+            <a:endParaRPr lang="cs-CZ" sz="2800" dirty="0"/>
           </a:p>
         </p:txBody>
       </p:sp>
@@ -3741,6 +4233,13 @@
   <p:clrMapOvr>
     <a:masterClrMapping/>
   </p:clrMapOvr>
+  <p:timing>
+    <p:tnLst>
+      <p:par>
+        <p:cTn id="1" dur="indefinite" restart="never" nodeType="tmRoot"/>
+      </p:par>
+    </p:tnLst>
+  </p:timing>
 </p:sld>
 </file>
 
@@ -3766,7 +4265,7 @@
           <p:cNvPr id="2" name="Zástupný symbol pro obsah 1">
             <a:extLst>
               <a:ext uri="{FF2B5EF4-FFF2-40B4-BE49-F238E27FC236}">
-                <a16:creationId xmlns:a16="http://schemas.microsoft.com/office/drawing/2014/main" id="{38D2872A-348D-4FC4-A4C9-A0630D9AADC5}"/>
+                <a16:creationId xmlns:a16="http://schemas.microsoft.com/office/drawing/2014/main" xmlns="" id="{38D2872A-348D-4FC4-A4C9-A0630D9AADC5}"/>
               </a:ext>
             </a:extLst>
           </p:cNvPr>
@@ -3812,7 +4311,7 @@
           <p:cNvPr id="6" name="Přímá spojnice 5">
             <a:extLst>
               <a:ext uri="{FF2B5EF4-FFF2-40B4-BE49-F238E27FC236}">
-                <a16:creationId xmlns:a16="http://schemas.microsoft.com/office/drawing/2014/main" id="{C00B4120-CE34-460D-B41C-B980E7CAA7DF}"/>
+                <a16:creationId xmlns:a16="http://schemas.microsoft.com/office/drawing/2014/main" xmlns="" id="{C00B4120-CE34-460D-B41C-B980E7CAA7DF}"/>
               </a:ext>
             </a:extLst>
           </p:cNvPr>
@@ -3850,7 +4349,7 @@
           <p:cNvPr id="8" name="Přímá spojnice 7">
             <a:extLst>
               <a:ext uri="{FF2B5EF4-FFF2-40B4-BE49-F238E27FC236}">
-                <a16:creationId xmlns:a16="http://schemas.microsoft.com/office/drawing/2014/main" id="{41B4BAC9-0B87-442E-9FC0-C3EAF57133F5}"/>
+                <a16:creationId xmlns:a16="http://schemas.microsoft.com/office/drawing/2014/main" xmlns="" id="{41B4BAC9-0B87-442E-9FC0-C3EAF57133F5}"/>
               </a:ext>
             </a:extLst>
           </p:cNvPr>
@@ -3888,7 +4387,7 @@
           <p:cNvPr id="9" name="Obdélník: se zakulacenými rohy 8">
             <a:extLst>
               <a:ext uri="{FF2B5EF4-FFF2-40B4-BE49-F238E27FC236}">
-                <a16:creationId xmlns:a16="http://schemas.microsoft.com/office/drawing/2014/main" id="{ACFA2358-7056-49E0-9EB7-A0E30582992E}"/>
+                <a16:creationId xmlns:a16="http://schemas.microsoft.com/office/drawing/2014/main" xmlns="" id="{ACFA2358-7056-49E0-9EB7-A0E30582992E}"/>
               </a:ext>
             </a:extLst>
           </p:cNvPr>
@@ -3948,7 +4447,7 @@
           <p:cNvPr id="10" name="Obdélník: se zakulacenými rohy 9">
             <a:extLst>
               <a:ext uri="{FF2B5EF4-FFF2-40B4-BE49-F238E27FC236}">
-                <a16:creationId xmlns:a16="http://schemas.microsoft.com/office/drawing/2014/main" id="{5D0D7022-0B0F-4998-BF40-F08602C1B2AD}"/>
+                <a16:creationId xmlns:a16="http://schemas.microsoft.com/office/drawing/2014/main" xmlns="" id="{5D0D7022-0B0F-4998-BF40-F08602C1B2AD}"/>
               </a:ext>
             </a:extLst>
           </p:cNvPr>
@@ -4005,7 +4504,7 @@
           <p:cNvPr id="11" name="Obdélník: se zakulacenými rohy 10">
             <a:extLst>
               <a:ext uri="{FF2B5EF4-FFF2-40B4-BE49-F238E27FC236}">
-                <a16:creationId xmlns:a16="http://schemas.microsoft.com/office/drawing/2014/main" id="{0222D548-00BB-4EC9-BC0B-13038060C65B}"/>
+                <a16:creationId xmlns:a16="http://schemas.microsoft.com/office/drawing/2014/main" xmlns="" id="{0222D548-00BB-4EC9-BC0B-13038060C65B}"/>
               </a:ext>
             </a:extLst>
           </p:cNvPr>
@@ -4054,7 +4553,7 @@
           <p:cNvPr id="12" name="Obdélník: se zakulacenými rohy 11">
             <a:extLst>
               <a:ext uri="{FF2B5EF4-FFF2-40B4-BE49-F238E27FC236}">
-                <a16:creationId xmlns:a16="http://schemas.microsoft.com/office/drawing/2014/main" id="{24D7F7B2-DB70-4DBF-9D0D-81572E91D3B0}"/>
+                <a16:creationId xmlns:a16="http://schemas.microsoft.com/office/drawing/2014/main" xmlns="" id="{24D7F7B2-DB70-4DBF-9D0D-81572E91D3B0}"/>
               </a:ext>
             </a:extLst>
           </p:cNvPr>
@@ -4116,7 +4615,7 @@
           <p:cNvPr id="13" name="Obdélník: se zakulacenými rohy 12">
             <a:extLst>
               <a:ext uri="{FF2B5EF4-FFF2-40B4-BE49-F238E27FC236}">
-                <a16:creationId xmlns:a16="http://schemas.microsoft.com/office/drawing/2014/main" id="{B8204A82-6FE1-4AB1-936A-E4A85C687DC0}"/>
+                <a16:creationId xmlns:a16="http://schemas.microsoft.com/office/drawing/2014/main" xmlns="" id="{B8204A82-6FE1-4AB1-936A-E4A85C687DC0}"/>
               </a:ext>
             </a:extLst>
           </p:cNvPr>
@@ -4168,6 +4667,13 @@
   <p:clrMapOvr>
     <a:masterClrMapping/>
   </p:clrMapOvr>
+  <p:timing>
+    <p:tnLst>
+      <p:par>
+        <p:cTn id="1" dur="indefinite" restart="never" nodeType="tmRoot"/>
+      </p:par>
+    </p:tnLst>
+  </p:timing>
 </p:sld>
 </file>
 
@@ -4193,7 +4699,7 @@
           <p:cNvPr id="2" name="Zástupný symbol pro obsah 1">
             <a:extLst>
               <a:ext uri="{FF2B5EF4-FFF2-40B4-BE49-F238E27FC236}">
-                <a16:creationId xmlns:a16="http://schemas.microsoft.com/office/drawing/2014/main" id="{38D2872A-348D-4FC4-A4C9-A0630D9AADC5}"/>
+                <a16:creationId xmlns:a16="http://schemas.microsoft.com/office/drawing/2014/main" xmlns="" id="{38D2872A-348D-4FC4-A4C9-A0630D9AADC5}"/>
               </a:ext>
             </a:extLst>
           </p:cNvPr>
@@ -4239,7 +4745,7 @@
           <p:cNvPr id="6" name="Přímá spojnice 5">
             <a:extLst>
               <a:ext uri="{FF2B5EF4-FFF2-40B4-BE49-F238E27FC236}">
-                <a16:creationId xmlns:a16="http://schemas.microsoft.com/office/drawing/2014/main" id="{C00B4120-CE34-460D-B41C-B980E7CAA7DF}"/>
+                <a16:creationId xmlns:a16="http://schemas.microsoft.com/office/drawing/2014/main" xmlns="" id="{C00B4120-CE34-460D-B41C-B980E7CAA7DF}"/>
               </a:ext>
             </a:extLst>
           </p:cNvPr>
@@ -4277,7 +4783,7 @@
           <p:cNvPr id="8" name="Přímá spojnice 7">
             <a:extLst>
               <a:ext uri="{FF2B5EF4-FFF2-40B4-BE49-F238E27FC236}">
-                <a16:creationId xmlns:a16="http://schemas.microsoft.com/office/drawing/2014/main" id="{41B4BAC9-0B87-442E-9FC0-C3EAF57133F5}"/>
+                <a16:creationId xmlns:a16="http://schemas.microsoft.com/office/drawing/2014/main" xmlns="" id="{41B4BAC9-0B87-442E-9FC0-C3EAF57133F5}"/>
               </a:ext>
             </a:extLst>
           </p:cNvPr>
@@ -4315,7 +4821,7 @@
           <p:cNvPr id="9" name="Obdélník: se zakulacenými rohy 8">
             <a:extLst>
               <a:ext uri="{FF2B5EF4-FFF2-40B4-BE49-F238E27FC236}">
-                <a16:creationId xmlns:a16="http://schemas.microsoft.com/office/drawing/2014/main" id="{ACFA2358-7056-49E0-9EB7-A0E30582992E}"/>
+                <a16:creationId xmlns:a16="http://schemas.microsoft.com/office/drawing/2014/main" xmlns="" id="{ACFA2358-7056-49E0-9EB7-A0E30582992E}"/>
               </a:ext>
             </a:extLst>
           </p:cNvPr>
@@ -4372,7 +4878,7 @@
           <p:cNvPr id="10" name="Obdélník: se zakulacenými rohy 9">
             <a:extLst>
               <a:ext uri="{FF2B5EF4-FFF2-40B4-BE49-F238E27FC236}">
-                <a16:creationId xmlns:a16="http://schemas.microsoft.com/office/drawing/2014/main" id="{5D0D7022-0B0F-4998-BF40-F08602C1B2AD}"/>
+                <a16:creationId xmlns:a16="http://schemas.microsoft.com/office/drawing/2014/main" xmlns="" id="{5D0D7022-0B0F-4998-BF40-F08602C1B2AD}"/>
               </a:ext>
             </a:extLst>
           </p:cNvPr>
@@ -4432,7 +4938,7 @@
           <p:cNvPr id="11" name="Obdélník: se zakulacenými rohy 10">
             <a:extLst>
               <a:ext uri="{FF2B5EF4-FFF2-40B4-BE49-F238E27FC236}">
-                <a16:creationId xmlns:a16="http://schemas.microsoft.com/office/drawing/2014/main" id="{0222D548-00BB-4EC9-BC0B-13038060C65B}"/>
+                <a16:creationId xmlns:a16="http://schemas.microsoft.com/office/drawing/2014/main" xmlns="" id="{0222D548-00BB-4EC9-BC0B-13038060C65B}"/>
               </a:ext>
             </a:extLst>
           </p:cNvPr>
@@ -4481,7 +4987,7 @@
           <p:cNvPr id="12" name="Obdélník: se zakulacenými rohy 11">
             <a:extLst>
               <a:ext uri="{FF2B5EF4-FFF2-40B4-BE49-F238E27FC236}">
-                <a16:creationId xmlns:a16="http://schemas.microsoft.com/office/drawing/2014/main" id="{24D7F7B2-DB70-4DBF-9D0D-81572E91D3B0}"/>
+                <a16:creationId xmlns:a16="http://schemas.microsoft.com/office/drawing/2014/main" xmlns="" id="{24D7F7B2-DB70-4DBF-9D0D-81572E91D3B0}"/>
               </a:ext>
             </a:extLst>
           </p:cNvPr>
@@ -4543,7 +5049,7 @@
           <p:cNvPr id="13" name="Obdélník: se zakulacenými rohy 12">
             <a:extLst>
               <a:ext uri="{FF2B5EF4-FFF2-40B4-BE49-F238E27FC236}">
-                <a16:creationId xmlns:a16="http://schemas.microsoft.com/office/drawing/2014/main" id="{B8204A82-6FE1-4AB1-936A-E4A85C687DC0}"/>
+                <a16:creationId xmlns:a16="http://schemas.microsoft.com/office/drawing/2014/main" xmlns="" id="{B8204A82-6FE1-4AB1-936A-E4A85C687DC0}"/>
               </a:ext>
             </a:extLst>
           </p:cNvPr>
@@ -4595,6 +5101,13 @@
   <p:clrMapOvr>
     <a:masterClrMapping/>
   </p:clrMapOvr>
+  <p:timing>
+    <p:tnLst>
+      <p:par>
+        <p:cTn id="1" dur="indefinite" restart="never" nodeType="tmRoot"/>
+      </p:par>
+    </p:tnLst>
+  </p:timing>
 </p:sld>
 </file>
 
@@ -4620,7 +5133,7 @@
           <p:cNvPr id="2" name="Zástupný symbol pro obsah 1">
             <a:extLst>
               <a:ext uri="{FF2B5EF4-FFF2-40B4-BE49-F238E27FC236}">
-                <a16:creationId xmlns:a16="http://schemas.microsoft.com/office/drawing/2014/main" id="{38D2872A-348D-4FC4-A4C9-A0630D9AADC5}"/>
+                <a16:creationId xmlns:a16="http://schemas.microsoft.com/office/drawing/2014/main" xmlns="" id="{38D2872A-348D-4FC4-A4C9-A0630D9AADC5}"/>
               </a:ext>
             </a:extLst>
           </p:cNvPr>
@@ -4670,7 +5183,7 @@
           <p:cNvPr id="6" name="Přímá spojnice 5">
             <a:extLst>
               <a:ext uri="{FF2B5EF4-FFF2-40B4-BE49-F238E27FC236}">
-                <a16:creationId xmlns:a16="http://schemas.microsoft.com/office/drawing/2014/main" id="{C00B4120-CE34-460D-B41C-B980E7CAA7DF}"/>
+                <a16:creationId xmlns:a16="http://schemas.microsoft.com/office/drawing/2014/main" xmlns="" id="{C00B4120-CE34-460D-B41C-B980E7CAA7DF}"/>
               </a:ext>
             </a:extLst>
           </p:cNvPr>
@@ -4708,7 +5221,7 @@
           <p:cNvPr id="8" name="Přímá spojnice 7">
             <a:extLst>
               <a:ext uri="{FF2B5EF4-FFF2-40B4-BE49-F238E27FC236}">
-                <a16:creationId xmlns:a16="http://schemas.microsoft.com/office/drawing/2014/main" id="{41B4BAC9-0B87-442E-9FC0-C3EAF57133F5}"/>
+                <a16:creationId xmlns:a16="http://schemas.microsoft.com/office/drawing/2014/main" xmlns="" id="{41B4BAC9-0B87-442E-9FC0-C3EAF57133F5}"/>
               </a:ext>
             </a:extLst>
           </p:cNvPr>
@@ -4746,7 +5259,7 @@
           <p:cNvPr id="9" name="Obdélník: se zakulacenými rohy 8">
             <a:extLst>
               <a:ext uri="{FF2B5EF4-FFF2-40B4-BE49-F238E27FC236}">
-                <a16:creationId xmlns:a16="http://schemas.microsoft.com/office/drawing/2014/main" id="{ACFA2358-7056-49E0-9EB7-A0E30582992E}"/>
+                <a16:creationId xmlns:a16="http://schemas.microsoft.com/office/drawing/2014/main" xmlns="" id="{ACFA2358-7056-49E0-9EB7-A0E30582992E}"/>
               </a:ext>
             </a:extLst>
           </p:cNvPr>
@@ -4803,7 +5316,7 @@
           <p:cNvPr id="10" name="Obdélník: se zakulacenými rohy 9">
             <a:extLst>
               <a:ext uri="{FF2B5EF4-FFF2-40B4-BE49-F238E27FC236}">
-                <a16:creationId xmlns:a16="http://schemas.microsoft.com/office/drawing/2014/main" id="{5D0D7022-0B0F-4998-BF40-F08602C1B2AD}"/>
+                <a16:creationId xmlns:a16="http://schemas.microsoft.com/office/drawing/2014/main" xmlns="" id="{5D0D7022-0B0F-4998-BF40-F08602C1B2AD}"/>
               </a:ext>
             </a:extLst>
           </p:cNvPr>
@@ -4860,7 +5373,7 @@
           <p:cNvPr id="11" name="Obdélník: se zakulacenými rohy 10">
             <a:extLst>
               <a:ext uri="{FF2B5EF4-FFF2-40B4-BE49-F238E27FC236}">
-                <a16:creationId xmlns:a16="http://schemas.microsoft.com/office/drawing/2014/main" id="{0222D548-00BB-4EC9-BC0B-13038060C65B}"/>
+                <a16:creationId xmlns:a16="http://schemas.microsoft.com/office/drawing/2014/main" xmlns="" id="{0222D548-00BB-4EC9-BC0B-13038060C65B}"/>
               </a:ext>
             </a:extLst>
           </p:cNvPr>
@@ -4912,7 +5425,7 @@
           <p:cNvPr id="12" name="Obdélník: se zakulacenými rohy 11">
             <a:extLst>
               <a:ext uri="{FF2B5EF4-FFF2-40B4-BE49-F238E27FC236}">
-                <a16:creationId xmlns:a16="http://schemas.microsoft.com/office/drawing/2014/main" id="{24D7F7B2-DB70-4DBF-9D0D-81572E91D3B0}"/>
+                <a16:creationId xmlns:a16="http://schemas.microsoft.com/office/drawing/2014/main" xmlns="" id="{24D7F7B2-DB70-4DBF-9D0D-81572E91D3B0}"/>
               </a:ext>
             </a:extLst>
           </p:cNvPr>
@@ -4974,7 +5487,7 @@
           <p:cNvPr id="13" name="Obdélník: se zakulacenými rohy 12">
             <a:extLst>
               <a:ext uri="{FF2B5EF4-FFF2-40B4-BE49-F238E27FC236}">
-                <a16:creationId xmlns:a16="http://schemas.microsoft.com/office/drawing/2014/main" id="{B8204A82-6FE1-4AB1-936A-E4A85C687DC0}"/>
+                <a16:creationId xmlns:a16="http://schemas.microsoft.com/office/drawing/2014/main" xmlns="" id="{B8204A82-6FE1-4AB1-936A-E4A85C687DC0}"/>
               </a:ext>
             </a:extLst>
           </p:cNvPr>
@@ -5026,6 +5539,13 @@
   <p:clrMapOvr>
     <a:masterClrMapping/>
   </p:clrMapOvr>
+  <p:timing>
+    <p:tnLst>
+      <p:par>
+        <p:cTn id="1" dur="indefinite" restart="never" nodeType="tmRoot"/>
+      </p:par>
+    </p:tnLst>
+  </p:timing>
 </p:sld>
 </file>
 
@@ -5051,7 +5571,7 @@
           <p:cNvPr id="2" name="Zástupný symbol pro obsah 1">
             <a:extLst>
               <a:ext uri="{FF2B5EF4-FFF2-40B4-BE49-F238E27FC236}">
-                <a16:creationId xmlns:a16="http://schemas.microsoft.com/office/drawing/2014/main" id="{38D2872A-348D-4FC4-A4C9-A0630D9AADC5}"/>
+                <a16:creationId xmlns:a16="http://schemas.microsoft.com/office/drawing/2014/main" xmlns="" id="{38D2872A-348D-4FC4-A4C9-A0630D9AADC5}"/>
               </a:ext>
             </a:extLst>
           </p:cNvPr>
@@ -5097,7 +5617,7 @@
           <p:cNvPr id="6" name="Přímá spojnice 5">
             <a:extLst>
               <a:ext uri="{FF2B5EF4-FFF2-40B4-BE49-F238E27FC236}">
-                <a16:creationId xmlns:a16="http://schemas.microsoft.com/office/drawing/2014/main" id="{C00B4120-CE34-460D-B41C-B980E7CAA7DF}"/>
+                <a16:creationId xmlns:a16="http://schemas.microsoft.com/office/drawing/2014/main" xmlns="" id="{C00B4120-CE34-460D-B41C-B980E7CAA7DF}"/>
               </a:ext>
             </a:extLst>
           </p:cNvPr>
@@ -5135,7 +5655,7 @@
           <p:cNvPr id="8" name="Přímá spojnice 7">
             <a:extLst>
               <a:ext uri="{FF2B5EF4-FFF2-40B4-BE49-F238E27FC236}">
-                <a16:creationId xmlns:a16="http://schemas.microsoft.com/office/drawing/2014/main" id="{41B4BAC9-0B87-442E-9FC0-C3EAF57133F5}"/>
+                <a16:creationId xmlns:a16="http://schemas.microsoft.com/office/drawing/2014/main" xmlns="" id="{41B4BAC9-0B87-442E-9FC0-C3EAF57133F5}"/>
               </a:ext>
             </a:extLst>
           </p:cNvPr>
@@ -5173,7 +5693,7 @@
           <p:cNvPr id="9" name="Obdélník: se zakulacenými rohy 8">
             <a:extLst>
               <a:ext uri="{FF2B5EF4-FFF2-40B4-BE49-F238E27FC236}">
-                <a16:creationId xmlns:a16="http://schemas.microsoft.com/office/drawing/2014/main" id="{ACFA2358-7056-49E0-9EB7-A0E30582992E}"/>
+                <a16:creationId xmlns:a16="http://schemas.microsoft.com/office/drawing/2014/main" xmlns="" id="{ACFA2358-7056-49E0-9EB7-A0E30582992E}"/>
               </a:ext>
             </a:extLst>
           </p:cNvPr>
@@ -5230,7 +5750,7 @@
           <p:cNvPr id="10" name="Obdélník: se zakulacenými rohy 9">
             <a:extLst>
               <a:ext uri="{FF2B5EF4-FFF2-40B4-BE49-F238E27FC236}">
-                <a16:creationId xmlns:a16="http://schemas.microsoft.com/office/drawing/2014/main" id="{5D0D7022-0B0F-4998-BF40-F08602C1B2AD}"/>
+                <a16:creationId xmlns:a16="http://schemas.microsoft.com/office/drawing/2014/main" xmlns="" id="{5D0D7022-0B0F-4998-BF40-F08602C1B2AD}"/>
               </a:ext>
             </a:extLst>
           </p:cNvPr>
@@ -5287,7 +5807,7 @@
           <p:cNvPr id="11" name="Obdélník: se zakulacenými rohy 10">
             <a:extLst>
               <a:ext uri="{FF2B5EF4-FFF2-40B4-BE49-F238E27FC236}">
-                <a16:creationId xmlns:a16="http://schemas.microsoft.com/office/drawing/2014/main" id="{0222D548-00BB-4EC9-BC0B-13038060C65B}"/>
+                <a16:creationId xmlns:a16="http://schemas.microsoft.com/office/drawing/2014/main" xmlns="" id="{0222D548-00BB-4EC9-BC0B-13038060C65B}"/>
               </a:ext>
             </a:extLst>
           </p:cNvPr>
@@ -5336,7 +5856,7 @@
           <p:cNvPr id="12" name="Obdélník: se zakulacenými rohy 11">
             <a:extLst>
               <a:ext uri="{FF2B5EF4-FFF2-40B4-BE49-F238E27FC236}">
-                <a16:creationId xmlns:a16="http://schemas.microsoft.com/office/drawing/2014/main" id="{24D7F7B2-DB70-4DBF-9D0D-81572E91D3B0}"/>
+                <a16:creationId xmlns:a16="http://schemas.microsoft.com/office/drawing/2014/main" xmlns="" id="{24D7F7B2-DB70-4DBF-9D0D-81572E91D3B0}"/>
               </a:ext>
             </a:extLst>
           </p:cNvPr>
@@ -5401,7 +5921,7 @@
           <p:cNvPr id="13" name="Obdélník: se zakulacenými rohy 12">
             <a:extLst>
               <a:ext uri="{FF2B5EF4-FFF2-40B4-BE49-F238E27FC236}">
-                <a16:creationId xmlns:a16="http://schemas.microsoft.com/office/drawing/2014/main" id="{B8204A82-6FE1-4AB1-936A-E4A85C687DC0}"/>
+                <a16:creationId xmlns:a16="http://schemas.microsoft.com/office/drawing/2014/main" xmlns="" id="{B8204A82-6FE1-4AB1-936A-E4A85C687DC0}"/>
               </a:ext>
             </a:extLst>
           </p:cNvPr>
@@ -5453,6 +5973,13 @@
   <p:clrMapOvr>
     <a:masterClrMapping/>
   </p:clrMapOvr>
+  <p:timing>
+    <p:tnLst>
+      <p:par>
+        <p:cTn id="1" dur="indefinite" restart="never" nodeType="tmRoot"/>
+      </p:par>
+    </p:tnLst>
+  </p:timing>
 </p:sld>
 </file>
 
@@ -5478,7 +6005,7 @@
           <p:cNvPr id="2" name="Zástupný symbol pro obsah 1">
             <a:extLst>
               <a:ext uri="{FF2B5EF4-FFF2-40B4-BE49-F238E27FC236}">
-                <a16:creationId xmlns:a16="http://schemas.microsoft.com/office/drawing/2014/main" id="{38D2872A-348D-4FC4-A4C9-A0630D9AADC5}"/>
+                <a16:creationId xmlns:a16="http://schemas.microsoft.com/office/drawing/2014/main" xmlns="" id="{38D2872A-348D-4FC4-A4C9-A0630D9AADC5}"/>
               </a:ext>
             </a:extLst>
           </p:cNvPr>
@@ -5516,7 +6043,7 @@
           <p:cNvPr id="6" name="Přímá spojnice 5">
             <a:extLst>
               <a:ext uri="{FF2B5EF4-FFF2-40B4-BE49-F238E27FC236}">
-                <a16:creationId xmlns:a16="http://schemas.microsoft.com/office/drawing/2014/main" id="{C00B4120-CE34-460D-B41C-B980E7CAA7DF}"/>
+                <a16:creationId xmlns:a16="http://schemas.microsoft.com/office/drawing/2014/main" xmlns="" id="{C00B4120-CE34-460D-B41C-B980E7CAA7DF}"/>
               </a:ext>
             </a:extLst>
           </p:cNvPr>
@@ -5554,7 +6081,7 @@
           <p:cNvPr id="8" name="Přímá spojnice 7">
             <a:extLst>
               <a:ext uri="{FF2B5EF4-FFF2-40B4-BE49-F238E27FC236}">
-                <a16:creationId xmlns:a16="http://schemas.microsoft.com/office/drawing/2014/main" id="{41B4BAC9-0B87-442E-9FC0-C3EAF57133F5}"/>
+                <a16:creationId xmlns:a16="http://schemas.microsoft.com/office/drawing/2014/main" xmlns="" id="{41B4BAC9-0B87-442E-9FC0-C3EAF57133F5}"/>
               </a:ext>
             </a:extLst>
           </p:cNvPr>
@@ -5592,7 +6119,7 @@
           <p:cNvPr id="9" name="Obdélník: se zakulacenými rohy 8">
             <a:extLst>
               <a:ext uri="{FF2B5EF4-FFF2-40B4-BE49-F238E27FC236}">
-                <a16:creationId xmlns:a16="http://schemas.microsoft.com/office/drawing/2014/main" id="{ACFA2358-7056-49E0-9EB7-A0E30582992E}"/>
+                <a16:creationId xmlns:a16="http://schemas.microsoft.com/office/drawing/2014/main" xmlns="" id="{ACFA2358-7056-49E0-9EB7-A0E30582992E}"/>
               </a:ext>
             </a:extLst>
           </p:cNvPr>
@@ -5649,7 +6176,7 @@
           <p:cNvPr id="10" name="Obdélník: se zakulacenými rohy 9">
             <a:extLst>
               <a:ext uri="{FF2B5EF4-FFF2-40B4-BE49-F238E27FC236}">
-                <a16:creationId xmlns:a16="http://schemas.microsoft.com/office/drawing/2014/main" id="{5D0D7022-0B0F-4998-BF40-F08602C1B2AD}"/>
+                <a16:creationId xmlns:a16="http://schemas.microsoft.com/office/drawing/2014/main" xmlns="" id="{5D0D7022-0B0F-4998-BF40-F08602C1B2AD}"/>
               </a:ext>
             </a:extLst>
           </p:cNvPr>
@@ -5706,7 +6233,7 @@
           <p:cNvPr id="11" name="Obdélník: se zakulacenými rohy 10">
             <a:extLst>
               <a:ext uri="{FF2B5EF4-FFF2-40B4-BE49-F238E27FC236}">
-                <a16:creationId xmlns:a16="http://schemas.microsoft.com/office/drawing/2014/main" id="{0222D548-00BB-4EC9-BC0B-13038060C65B}"/>
+                <a16:creationId xmlns:a16="http://schemas.microsoft.com/office/drawing/2014/main" xmlns="" id="{0222D548-00BB-4EC9-BC0B-13038060C65B}"/>
               </a:ext>
             </a:extLst>
           </p:cNvPr>
@@ -5755,7 +6282,7 @@
           <p:cNvPr id="12" name="Obdélník: se zakulacenými rohy 11">
             <a:extLst>
               <a:ext uri="{FF2B5EF4-FFF2-40B4-BE49-F238E27FC236}">
-                <a16:creationId xmlns:a16="http://schemas.microsoft.com/office/drawing/2014/main" id="{24D7F7B2-DB70-4DBF-9D0D-81572E91D3B0}"/>
+                <a16:creationId xmlns:a16="http://schemas.microsoft.com/office/drawing/2014/main" xmlns="" id="{24D7F7B2-DB70-4DBF-9D0D-81572E91D3B0}"/>
               </a:ext>
             </a:extLst>
           </p:cNvPr>
@@ -5817,7 +6344,7 @@
           <p:cNvPr id="13" name="Obdélník: se zakulacenými rohy 12">
             <a:extLst>
               <a:ext uri="{FF2B5EF4-FFF2-40B4-BE49-F238E27FC236}">
-                <a16:creationId xmlns:a16="http://schemas.microsoft.com/office/drawing/2014/main" id="{B8204A82-6FE1-4AB1-936A-E4A85C687DC0}"/>
+                <a16:creationId xmlns:a16="http://schemas.microsoft.com/office/drawing/2014/main" xmlns="" id="{B8204A82-6FE1-4AB1-936A-E4A85C687DC0}"/>
               </a:ext>
             </a:extLst>
           </p:cNvPr>
@@ -5872,6 +6399,13 @@
   <p:clrMapOvr>
     <a:masterClrMapping/>
   </p:clrMapOvr>
+  <p:timing>
+    <p:tnLst>
+      <p:par>
+        <p:cTn id="1" dur="indefinite" restart="never" nodeType="tmRoot"/>
+      </p:par>
+    </p:tnLst>
+  </p:timing>
 </p:sld>
 </file>
 
@@ -5897,7 +6431,7 @@
           <p:cNvPr id="2" name="Nadpis 1">
             <a:extLst>
               <a:ext uri="{FF2B5EF4-FFF2-40B4-BE49-F238E27FC236}">
-                <a16:creationId xmlns:a16="http://schemas.microsoft.com/office/drawing/2014/main" id="{227AE72A-6128-4B44-9F6A-2C756BB849D9}"/>
+                <a16:creationId xmlns:a16="http://schemas.microsoft.com/office/drawing/2014/main" xmlns="" id="{227AE72A-6128-4B44-9F6A-2C756BB849D9}"/>
               </a:ext>
             </a:extLst>
           </p:cNvPr>
@@ -5933,7 +6467,7 @@
           <p:cNvPr id="3" name="Zástupný symbol pro obsah 2">
             <a:extLst>
               <a:ext uri="{FF2B5EF4-FFF2-40B4-BE49-F238E27FC236}">
-                <a16:creationId xmlns:a16="http://schemas.microsoft.com/office/drawing/2014/main" id="{DB240D0B-819A-4F36-BBEB-1F5FA397B0CD}"/>
+                <a16:creationId xmlns:a16="http://schemas.microsoft.com/office/drawing/2014/main" xmlns="" id="{DB240D0B-819A-4F36-BBEB-1F5FA397B0CD}"/>
               </a:ext>
             </a:extLst>
           </p:cNvPr>
@@ -6000,7 +6534,7 @@
           <p:cNvPr id="5" name="Grafický objekt 4" descr="Přehrávač DVD">
             <a:extLst>
               <a:ext uri="{FF2B5EF4-FFF2-40B4-BE49-F238E27FC236}">
-                <a16:creationId xmlns:a16="http://schemas.microsoft.com/office/drawing/2014/main" id="{1C05C4EF-711C-4C62-92EC-A28B5A39F975}"/>
+                <a16:creationId xmlns:a16="http://schemas.microsoft.com/office/drawing/2014/main" xmlns="" id="{1C05C4EF-711C-4C62-92EC-A28B5A39F975}"/>
               </a:ext>
             </a:extLst>
           </p:cNvPr>
@@ -6010,13 +6544,13 @@
           <p:nvPr/>
         </p:nvPicPr>
         <p:blipFill>
-          <a:blip r:embed="rId2">
+          <a:blip r:embed="rId2" cstate="print">
             <a:extLst>
               <a:ext uri="{28A0092B-C50C-407E-A947-70E740481C1C}">
                 <a14:useLocalDpi xmlns:a14="http://schemas.microsoft.com/office/drawing/2010/main" val="0"/>
               </a:ext>
               <a:ext uri="{96DAC541-7B7A-43D3-8B79-37D633B846F1}">
-                <asvg:svgBlip xmlns:asvg="http://schemas.microsoft.com/office/drawing/2016/SVG/main" r:embed="rId3"/>
+                <asvg:svgBlip xmlns:asvg="http://schemas.microsoft.com/office/drawing/2016/SVG/main" xmlns="" r:embed="rId3"/>
               </a:ext>
             </a:extLst>
           </a:blip>
@@ -6044,6 +6578,13 @@
   <p:clrMapOvr>
     <a:masterClrMapping/>
   </p:clrMapOvr>
+  <p:timing>
+    <p:tnLst>
+      <p:par>
+        <p:cTn id="1" dur="indefinite" restart="never" nodeType="tmRoot"/>
+      </p:par>
+    </p:tnLst>
+  </p:timing>
 </p:sld>
 </file>
 
@@ -6069,7 +6610,7 @@
           <p:cNvPr id="2" name="Nadpis 1">
             <a:extLst>
               <a:ext uri="{FF2B5EF4-FFF2-40B4-BE49-F238E27FC236}">
-                <a16:creationId xmlns:a16="http://schemas.microsoft.com/office/drawing/2014/main" id="{227AE72A-6128-4B44-9F6A-2C756BB849D9}"/>
+                <a16:creationId xmlns:a16="http://schemas.microsoft.com/office/drawing/2014/main" xmlns="" id="{227AE72A-6128-4B44-9F6A-2C756BB849D9}"/>
               </a:ext>
             </a:extLst>
           </p:cNvPr>
@@ -6105,7 +6646,7 @@
           <p:cNvPr id="6" name="Zástupný symbol pro obsah 5">
             <a:extLst>
               <a:ext uri="{FF2B5EF4-FFF2-40B4-BE49-F238E27FC236}">
-                <a16:creationId xmlns:a16="http://schemas.microsoft.com/office/drawing/2014/main" id="{B835FBDC-A22A-4382-AF0B-98CB51455527}"/>
+                <a16:creationId xmlns:a16="http://schemas.microsoft.com/office/drawing/2014/main" xmlns="" id="{B835FBDC-A22A-4382-AF0B-98CB51455527}"/>
               </a:ext>
             </a:extLst>
           </p:cNvPr>
@@ -6140,7 +6681,7 @@
           <p:cNvPr id="5" name="Grafický objekt 4" descr="Přehrávač DVD">
             <a:extLst>
               <a:ext uri="{FF2B5EF4-FFF2-40B4-BE49-F238E27FC236}">
-                <a16:creationId xmlns:a16="http://schemas.microsoft.com/office/drawing/2014/main" id="{1C05C4EF-711C-4C62-92EC-A28B5A39F975}"/>
+                <a16:creationId xmlns:a16="http://schemas.microsoft.com/office/drawing/2014/main" xmlns="" id="{1C05C4EF-711C-4C62-92EC-A28B5A39F975}"/>
               </a:ext>
             </a:extLst>
           </p:cNvPr>
@@ -6150,13 +6691,13 @@
           <p:nvPr/>
         </p:nvPicPr>
         <p:blipFill>
-          <a:blip r:embed="rId3">
+          <a:blip r:embed="rId3" cstate="print">
             <a:extLst>
               <a:ext uri="{28A0092B-C50C-407E-A947-70E740481C1C}">
                 <a14:useLocalDpi xmlns:a14="http://schemas.microsoft.com/office/drawing/2010/main" val="0"/>
               </a:ext>
               <a:ext uri="{96DAC541-7B7A-43D3-8B79-37D633B846F1}">
-                <asvg:svgBlip xmlns:asvg="http://schemas.microsoft.com/office/drawing/2016/SVG/main" r:embed="rId4"/>
+                <asvg:svgBlip xmlns:asvg="http://schemas.microsoft.com/office/drawing/2016/SVG/main" xmlns="" r:embed="rId4"/>
               </a:ext>
             </a:extLst>
           </a:blip>
@@ -6184,6 +6725,13 @@
   <p:clrMapOvr>
     <a:masterClrMapping/>
   </p:clrMapOvr>
+  <p:timing>
+    <p:tnLst>
+      <p:par>
+        <p:cTn id="1" dur="indefinite" restart="never" nodeType="tmRoot"/>
+      </p:par>
+    </p:tnLst>
+  </p:timing>
 </p:sld>
 </file>
 
